--- a/eq.pptx
+++ b/eq.pptx
@@ -238,7 +238,7 @@
           </a:lstStyle>
           <a:p>
             <a:fld id="{1FBEFB9F-C25B-424C-8B67-E9F1C8FBE4C3}" type="datetimeFigureOut">
-              <a:t>18/02/13</a:t>
+              <a:t>23/02/13</a:t>
             </a:fld>
             <a:endParaRPr lang="en-US"/>
           </a:p>
@@ -1556,7 +1556,7 @@
             <a:fld id="{28E80666-FB37-4B36-9149-507F3B0178E3}" type="datetimeFigureOut">
               <a:rPr lang="en-US" smtClean="0"/>
               <a:pPr/>
-              <a:t>18/02/13</a:t>
+              <a:t>23/02/13</a:t>
             </a:fld>
             <a:endParaRPr lang="en-US"/>
           </a:p>
@@ -1740,7 +1740,7 @@
           <a:lstStyle/>
           <a:p>
             <a:fld id="{BA5979CA-FDD1-AA4F-AD03-C8B84A165D94}" type="datetimeFigureOut">
-              <a:t>18/02/13</a:t>
+              <a:t>23/02/13</a:t>
             </a:fld>
             <a:endParaRPr lang="en-US"/>
           </a:p>
@@ -1924,7 +1924,7 @@
           <a:lstStyle/>
           <a:p>
             <a:fld id="{BA5979CA-FDD1-AA4F-AD03-C8B84A165D94}" type="datetimeFigureOut">
-              <a:t>18/02/13</a:t>
+              <a:t>23/02/13</a:t>
             </a:fld>
             <a:endParaRPr lang="en-US"/>
           </a:p>
@@ -2017,7 +2017,7 @@
           <a:lstStyle/>
           <a:p>
             <a:fld id="{BA5979CA-FDD1-AA4F-AD03-C8B84A165D94}" type="datetimeFigureOut">
-              <a:t>18/02/13</a:t>
+              <a:t>23/02/13</a:t>
             </a:fld>
             <a:endParaRPr lang="en-US"/>
           </a:p>
@@ -2269,7 +2269,7 @@
             <a:fld id="{28E80666-FB37-4B36-9149-507F3B0178E3}" type="datetimeFigureOut">
               <a:rPr lang="en-US" smtClean="0"/>
               <a:pPr/>
-              <a:t>18/02/13</a:t>
+              <a:t>23/02/13</a:t>
             </a:fld>
             <a:endParaRPr lang="en-US"/>
           </a:p>
@@ -2577,7 +2577,7 @@
           <a:lstStyle/>
           <a:p>
             <a:fld id="{BA5979CA-FDD1-AA4F-AD03-C8B84A165D94}" type="datetimeFigureOut">
-              <a:t>18/02/13</a:t>
+              <a:t>23/02/13</a:t>
             </a:fld>
             <a:endParaRPr lang="en-US"/>
           </a:p>
@@ -3017,7 +3017,7 @@
           <a:lstStyle/>
           <a:p>
             <a:fld id="{BA5979CA-FDD1-AA4F-AD03-C8B84A165D94}" type="datetimeFigureOut">
-              <a:t>18/02/13</a:t>
+              <a:t>23/02/13</a:t>
             </a:fld>
             <a:endParaRPr lang="en-US"/>
           </a:p>
@@ -3141,7 +3141,7 @@
           <a:lstStyle/>
           <a:p>
             <a:fld id="{BA5979CA-FDD1-AA4F-AD03-C8B84A165D94}" type="datetimeFigureOut">
-              <a:t>18/02/13</a:t>
+              <a:t>23/02/13</a:t>
             </a:fld>
             <a:endParaRPr lang="en-US"/>
           </a:p>
@@ -3234,7 +3234,7 @@
           <a:lstStyle/>
           <a:p>
             <a:fld id="{BA5979CA-FDD1-AA4F-AD03-C8B84A165D94}" type="datetimeFigureOut">
-              <a:t>18/02/13</a:t>
+              <a:t>23/02/13</a:t>
             </a:fld>
             <a:endParaRPr lang="en-US"/>
           </a:p>
@@ -3518,7 +3518,7 @@
           <a:lstStyle/>
           <a:p>
             <a:fld id="{BA5979CA-FDD1-AA4F-AD03-C8B84A165D94}" type="datetimeFigureOut">
-              <a:t>18/02/13</a:t>
+              <a:t>23/02/13</a:t>
             </a:fld>
             <a:endParaRPr lang="en-US"/>
           </a:p>
@@ -3778,7 +3778,7 @@
           <a:lstStyle/>
           <a:p>
             <a:fld id="{BA5979CA-FDD1-AA4F-AD03-C8B84A165D94}" type="datetimeFigureOut">
-              <a:t>18/02/13</a:t>
+              <a:t>23/02/13</a:t>
             </a:fld>
             <a:endParaRPr lang="en-US"/>
           </a:p>
@@ -3894,7 +3894,7 @@
           </a:lstStyle>
           <a:p>
             <a:fld id="{BA5979CA-FDD1-AA4F-AD03-C8B84A165D94}" type="datetimeFigureOut">
-              <a:t>18/02/13</a:t>
+              <a:t>23/02/13</a:t>
             </a:fld>
             <a:endParaRPr lang="en-US"/>
           </a:p>
@@ -8319,7 +8319,6 @@
               <a:rPr lang="en-US"/>
               <a:t>Object</a:t>
             </a:r>
-            <a:endParaRPr lang="en-US"/>
           </a:p>
         </p:txBody>
       </p:sp>
@@ -8361,7 +8360,6 @@
               <a:rPr lang="en-US"/>
               <a:t>Pair&lt;A, B&gt;</a:t>
             </a:r>
-            <a:endParaRPr lang="en-US"/>
           </a:p>
         </p:txBody>
       </p:sp>
@@ -8521,7 +8519,6 @@
               <a:rPr lang="en-US"/>
               <a:t>Eq&lt;Pair&lt;...&gt;&gt;</a:t>
             </a:r>
-            <a:endParaRPr lang="en-US"/>
           </a:p>
         </p:txBody>
       </p:sp>
@@ -8640,7 +8637,6 @@
               <a:rPr lang="en-US"/>
               <a:t>Pair&lt;A, B&gt;</a:t>
             </a:r>
-            <a:endParaRPr lang="en-US"/>
           </a:p>
         </p:txBody>
       </p:sp>
@@ -8800,7 +8796,6 @@
               <a:rPr lang="en-US"/>
               <a:t>instance Eq Pair</a:t>
             </a:r>
-            <a:endParaRPr lang="en-US"/>
           </a:p>
         </p:txBody>
       </p:sp>
@@ -9797,7 +9792,7 @@
                 <a:latin typeface="Source Code Pro"/>
                 <a:cs typeface="Source Code Pro"/>
               </a:rPr>
-              <a:t>  (==) :: a</a:t>
+              <a:t>  (==) :: a -&gt; a -&gt; Bool</a:t>
             </a:r>
           </a:p>
           <a:p>
@@ -9907,7 +9902,6 @@
               <a:rPr lang="en-US"/>
               <a:t>Object</a:t>
             </a:r>
-            <a:endParaRPr lang="en-US"/>
           </a:p>
         </p:txBody>
       </p:sp>
@@ -9949,7 +9943,6 @@
               <a:rPr lang="en-US"/>
               <a:t>Pair&lt;A, B&gt;</a:t>
             </a:r>
-            <a:endParaRPr lang="en-US"/>
           </a:p>
         </p:txBody>
       </p:sp>
@@ -10109,7 +10102,6 @@
               <a:rPr lang="en-US"/>
               <a:t>Eq&lt;Pair&lt;...&gt;&gt;</a:t>
             </a:r>
-            <a:endParaRPr lang="en-US"/>
           </a:p>
         </p:txBody>
       </p:sp>
@@ -10228,7 +10220,6 @@
               <a:rPr lang="en-US"/>
               <a:t>Pair&lt;A, B&gt;</a:t>
             </a:r>
-            <a:endParaRPr lang="en-US"/>
           </a:p>
         </p:txBody>
       </p:sp>
@@ -10388,7 +10379,6 @@
               <a:rPr lang="en-US"/>
               <a:t>instance Eq Pair</a:t>
             </a:r>
-            <a:endParaRPr lang="en-US"/>
           </a:p>
         </p:txBody>
       </p:sp>

--- a/eq.pptx
+++ b/eq.pptx
@@ -5,7 +5,7 @@
     <p:sldMasterId id="2147483853" r:id="rId1"/>
   </p:sldMasterIdLst>
   <p:notesMasterIdLst>
-    <p:notesMasterId r:id="rId50"/>
+    <p:notesMasterId r:id="rId46"/>
   </p:notesMasterIdLst>
   <p:sldIdLst>
     <p:sldId id="257" r:id="rId2"/>
@@ -42,20 +42,16 @@
     <p:sldId id="302" r:id="rId33"/>
     <p:sldId id="301" r:id="rId34"/>
     <p:sldId id="303" r:id="rId35"/>
-    <p:sldId id="313" r:id="rId36"/>
-    <p:sldId id="328" r:id="rId37"/>
-    <p:sldId id="329" r:id="rId38"/>
-    <p:sldId id="330" r:id="rId39"/>
-    <p:sldId id="338" r:id="rId40"/>
-    <p:sldId id="331" r:id="rId41"/>
-    <p:sldId id="311" r:id="rId42"/>
-    <p:sldId id="334" r:id="rId43"/>
-    <p:sldId id="314" r:id="rId44"/>
-    <p:sldId id="335" r:id="rId45"/>
-    <p:sldId id="305" r:id="rId46"/>
-    <p:sldId id="316" r:id="rId47"/>
-    <p:sldId id="337" r:id="rId48"/>
-    <p:sldId id="336" r:id="rId49"/>
+    <p:sldId id="328" r:id="rId36"/>
+    <p:sldId id="329" r:id="rId37"/>
+    <p:sldId id="330" r:id="rId38"/>
+    <p:sldId id="338" r:id="rId39"/>
+    <p:sldId id="331" r:id="rId40"/>
+    <p:sldId id="339" r:id="rId41"/>
+    <p:sldId id="335" r:id="rId42"/>
+    <p:sldId id="314" r:id="rId43"/>
+    <p:sldId id="305" r:id="rId44"/>
+    <p:sldId id="336" r:id="rId45"/>
   </p:sldIdLst>
   <p:sldSz cx="9144000" cy="6858000" type="screen4x3"/>
   <p:notesSz cx="6858000" cy="9144000"/>
@@ -238,7 +234,7 @@
           </a:lstStyle>
           <a:p>
             <a:fld id="{1FBEFB9F-C25B-424C-8B67-E9F1C8FBE4C3}" type="datetimeFigureOut">
-              <a:t>23/02/13</a:t>
+              <a:t>25/02/13</a:t>
             </a:fld>
             <a:endParaRPr lang="en-US"/>
           </a:p>
@@ -605,89 +601,6 @@
 </p:notes>
 </file>
 
-<file path=ppt/notesSlides/notesSlide10.xml><?xml version="1.0" encoding="utf-8"?>
-<p:notes xmlns:a="http://schemas.openxmlformats.org/drawingml/2006/main" xmlns:r="http://schemas.openxmlformats.org/officeDocument/2006/relationships" xmlns:p="http://schemas.openxmlformats.org/presentationml/2006/main">
-  <p:cSld>
-    <p:spTree>
-      <p:nvGrpSpPr>
-        <p:cNvPr id="1" name=""/>
-        <p:cNvGrpSpPr/>
-        <p:nvPr/>
-      </p:nvGrpSpPr>
-      <p:grpSpPr>
-        <a:xfrm>
-          <a:off x="0" y="0"/>
-          <a:ext cx="0" cy="0"/>
-          <a:chOff x="0" y="0"/>
-          <a:chExt cx="0" cy="0"/>
-        </a:xfrm>
-      </p:grpSpPr>
-      <p:sp>
-        <p:nvSpPr>
-          <p:cNvPr id="2" name="Slide Image Placeholder 1"/>
-          <p:cNvSpPr>
-            <a:spLocks noGrp="1" noRot="1" noChangeAspect="1"/>
-          </p:cNvSpPr>
-          <p:nvPr>
-            <p:ph type="sldImg"/>
-          </p:nvPr>
-        </p:nvSpPr>
-        <p:spPr/>
-      </p:sp>
-      <p:sp>
-        <p:nvSpPr>
-          <p:cNvPr id="3" name="Notes Placeholder 2"/>
-          <p:cNvSpPr>
-            <a:spLocks noGrp="1"/>
-          </p:cNvSpPr>
-          <p:nvPr>
-            <p:ph type="body" idx="1"/>
-          </p:nvPr>
-        </p:nvSpPr>
-        <p:spPr/>
-        <p:txBody>
-          <a:bodyPr/>
-          <a:lstStyle/>
-          <a:p>
-            <a:endParaRPr lang="en-US"/>
-          </a:p>
-        </p:txBody>
-      </p:sp>
-      <p:sp>
-        <p:nvSpPr>
-          <p:cNvPr id="4" name="Slide Number Placeholder 3"/>
-          <p:cNvSpPr>
-            <a:spLocks noGrp="1"/>
-          </p:cNvSpPr>
-          <p:nvPr>
-            <p:ph type="sldNum" sz="quarter" idx="10"/>
-          </p:nvPr>
-        </p:nvSpPr>
-        <p:spPr/>
-        <p:txBody>
-          <a:bodyPr/>
-          <a:lstStyle/>
-          <a:p>
-            <a:fld id="{191C0F6D-D31B-E743-9430-C1CEAECC604A}" type="slidenum">
-              <a:t>43</a:t>
-            </a:fld>
-            <a:endParaRPr lang="en-US"/>
-          </a:p>
-        </p:txBody>
-      </p:sp>
-    </p:spTree>
-    <p:extLst>
-      <p:ext uri="{BB962C8B-B14F-4D97-AF65-F5344CB8AC3E}">
-        <p14:creationId xmlns:p14="http://schemas.microsoft.com/office/powerpoint/2010/main" val="931730533"/>
-      </p:ext>
-    </p:extLst>
-  </p:cSld>
-  <p:clrMapOvr>
-    <a:masterClrMapping/>
-  </p:clrMapOvr>
-</p:notes>
-</file>
-
 <file path=ppt/notesSlides/notesSlide2.xml><?xml version="1.0" encoding="utf-8"?>
 <p:notes xmlns:a="http://schemas.openxmlformats.org/drawingml/2006/main" xmlns:r="http://schemas.openxmlformats.org/officeDocument/2006/relationships" xmlns:p="http://schemas.openxmlformats.org/presentationml/2006/main">
   <p:cSld>
@@ -1349,7 +1262,7 @@
           <a:lstStyle/>
           <a:p>
             <a:fld id="{191C0F6D-D31B-E743-9430-C1CEAECC604A}" type="slidenum">
-              <a:t>35</a:t>
+              <a:t>42</a:t>
             </a:fld>
             <a:endParaRPr lang="en-US"/>
           </a:p>
@@ -1556,7 +1469,7 @@
             <a:fld id="{28E80666-FB37-4B36-9149-507F3B0178E3}" type="datetimeFigureOut">
               <a:rPr lang="en-US" smtClean="0"/>
               <a:pPr/>
-              <a:t>23/02/13</a:t>
+              <a:t>25/02/13</a:t>
             </a:fld>
             <a:endParaRPr lang="en-US"/>
           </a:p>
@@ -1740,7 +1653,7 @@
           <a:lstStyle/>
           <a:p>
             <a:fld id="{BA5979CA-FDD1-AA4F-AD03-C8B84A165D94}" type="datetimeFigureOut">
-              <a:t>23/02/13</a:t>
+              <a:t>25/02/13</a:t>
             </a:fld>
             <a:endParaRPr lang="en-US"/>
           </a:p>
@@ -1924,7 +1837,7 @@
           <a:lstStyle/>
           <a:p>
             <a:fld id="{BA5979CA-FDD1-AA4F-AD03-C8B84A165D94}" type="datetimeFigureOut">
-              <a:t>23/02/13</a:t>
+              <a:t>25/02/13</a:t>
             </a:fld>
             <a:endParaRPr lang="en-US"/>
           </a:p>
@@ -2017,7 +1930,7 @@
           <a:lstStyle/>
           <a:p>
             <a:fld id="{BA5979CA-FDD1-AA4F-AD03-C8B84A165D94}" type="datetimeFigureOut">
-              <a:t>23/02/13</a:t>
+              <a:t>25/02/13</a:t>
             </a:fld>
             <a:endParaRPr lang="en-US"/>
           </a:p>
@@ -2269,7 +2182,7 @@
             <a:fld id="{28E80666-FB37-4B36-9149-507F3B0178E3}" type="datetimeFigureOut">
               <a:rPr lang="en-US" smtClean="0"/>
               <a:pPr/>
-              <a:t>23/02/13</a:t>
+              <a:t>25/02/13</a:t>
             </a:fld>
             <a:endParaRPr lang="en-US"/>
           </a:p>
@@ -2577,7 +2490,7 @@
           <a:lstStyle/>
           <a:p>
             <a:fld id="{BA5979CA-FDD1-AA4F-AD03-C8B84A165D94}" type="datetimeFigureOut">
-              <a:t>23/02/13</a:t>
+              <a:t>25/02/13</a:t>
             </a:fld>
             <a:endParaRPr lang="en-US"/>
           </a:p>
@@ -3017,7 +2930,7 @@
           <a:lstStyle/>
           <a:p>
             <a:fld id="{BA5979CA-FDD1-AA4F-AD03-C8B84A165D94}" type="datetimeFigureOut">
-              <a:t>23/02/13</a:t>
+              <a:t>25/02/13</a:t>
             </a:fld>
             <a:endParaRPr lang="en-US"/>
           </a:p>
@@ -3141,7 +3054,7 @@
           <a:lstStyle/>
           <a:p>
             <a:fld id="{BA5979CA-FDD1-AA4F-AD03-C8B84A165D94}" type="datetimeFigureOut">
-              <a:t>23/02/13</a:t>
+              <a:t>25/02/13</a:t>
             </a:fld>
             <a:endParaRPr lang="en-US"/>
           </a:p>
@@ -3234,7 +3147,7 @@
           <a:lstStyle/>
           <a:p>
             <a:fld id="{BA5979CA-FDD1-AA4F-AD03-C8B84A165D94}" type="datetimeFigureOut">
-              <a:t>23/02/13</a:t>
+              <a:t>25/02/13</a:t>
             </a:fld>
             <a:endParaRPr lang="en-US"/>
           </a:p>
@@ -3518,7 +3431,7 @@
           <a:lstStyle/>
           <a:p>
             <a:fld id="{BA5979CA-FDD1-AA4F-AD03-C8B84A165D94}" type="datetimeFigureOut">
-              <a:t>23/02/13</a:t>
+              <a:t>25/02/13</a:t>
             </a:fld>
             <a:endParaRPr lang="en-US"/>
           </a:p>
@@ -3778,7 +3691,7 @@
           <a:lstStyle/>
           <a:p>
             <a:fld id="{BA5979CA-FDD1-AA4F-AD03-C8B84A165D94}" type="datetimeFigureOut">
-              <a:t>23/02/13</a:t>
+              <a:t>25/02/13</a:t>
             </a:fld>
             <a:endParaRPr lang="en-US"/>
           </a:p>
@@ -3894,7 +3807,7 @@
           </a:lstStyle>
           <a:p>
             <a:fld id="{BA5979CA-FDD1-AA4F-AD03-C8B84A165D94}" type="datetimeFigureOut">
-              <a:t>23/02/13</a:t>
+              <a:t>25/02/13</a:t>
             </a:fld>
             <a:endParaRPr lang="en-US"/>
           </a:p>
@@ -7485,83 +7398,32 @@
       </p:grpSpPr>
       <p:pic>
         <p:nvPicPr>
-          <p:cNvPr id="8" name="Picture 7"/>
+          <p:cNvPr id="3" name="Picture 2"/>
           <p:cNvPicPr>
             <a:picLocks noChangeAspect="1"/>
           </p:cNvPicPr>
           <p:nvPr/>
         </p:nvPicPr>
         <p:blipFill>
-          <a:blip r:embed="rId3"/>
+          <a:blip r:embed="rId2"/>
           <a:stretch>
             <a:fillRect/>
           </a:stretch>
         </p:blipFill>
         <p:spPr>
           <a:xfrm>
-            <a:off x="279382" y="1450680"/>
-            <a:ext cx="2247900" cy="3606800"/>
+            <a:off x="2570574" y="290697"/>
+            <a:ext cx="3817056" cy="5985144"/>
           </a:xfrm>
           <a:prstGeom prst="rect">
             <a:avLst/>
           </a:prstGeom>
         </p:spPr>
       </p:pic>
-      <p:sp>
-        <p:nvSpPr>
-          <p:cNvPr id="6" name="TextBox 5"/>
-          <p:cNvSpPr txBox="1"/>
-          <p:nvPr/>
-        </p:nvSpPr>
-        <p:spPr>
-          <a:xfrm>
-            <a:off x="1596309" y="1855672"/>
-            <a:ext cx="7547691" cy="3477875"/>
-          </a:xfrm>
-          <a:prstGeom prst="rect">
-            <a:avLst/>
-          </a:prstGeom>
-          <a:noFill/>
-        </p:spPr>
-        <p:txBody>
-          <a:bodyPr wrap="square" rtlCol="0">
-            <a:spAutoFit/>
-          </a:bodyPr>
-          <a:lstStyle/>
-          <a:p>
-            <a:pPr algn="ctr"/>
-            <a:r>
-              <a:rPr lang="en-US" sz="4400"/>
-              <a:t>= on parameterized types requires </a:t>
-            </a:r>
-          </a:p>
-          <a:p>
-            <a:pPr algn="ctr"/>
-            <a:r>
-              <a:rPr lang="en-US" sz="4400"/>
-              <a:t>= on type parameters</a:t>
-            </a:r>
-          </a:p>
-          <a:p>
-            <a:pPr algn="ctr"/>
-            <a:r>
-              <a:rPr lang="en-US" sz="4400"/>
-              <a:t>...</a:t>
-            </a:r>
-          </a:p>
-          <a:p>
-            <a:pPr algn="ctr"/>
-            <a:r>
-              <a:rPr lang="en-US" sz="4400"/>
-              <a:t>but only for the = function</a:t>
-            </a:r>
-          </a:p>
-        </p:txBody>
-      </p:sp>
     </p:spTree>
     <p:extLst>
       <p:ext uri="{BB962C8B-B14F-4D97-AF65-F5344CB8AC3E}">
-        <p14:creationId xmlns:p14="http://schemas.microsoft.com/office/powerpoint/2010/main" val="2361638892"/>
+        <p14:creationId xmlns:p14="http://schemas.microsoft.com/office/powerpoint/2010/main" val="3550014603"/>
       </p:ext>
     </p:extLst>
   </p:cSld>
@@ -7595,9 +7457,49 @@
           <a:chExt cx="0" cy="0"/>
         </a:xfrm>
       </p:grpSpPr>
+      <p:sp>
+        <p:nvSpPr>
+          <p:cNvPr id="3" name="Rectangle 2"/>
+          <p:cNvSpPr/>
+          <p:nvPr/>
+        </p:nvSpPr>
+        <p:spPr>
+          <a:xfrm>
+            <a:off x="827852" y="4413467"/>
+            <a:ext cx="6952074" cy="1200329"/>
+          </a:xfrm>
+          <a:prstGeom prst="rect">
+            <a:avLst/>
+          </a:prstGeom>
+        </p:spPr>
+        <p:txBody>
+          <a:bodyPr wrap="square">
+            <a:spAutoFit/>
+          </a:bodyPr>
+          <a:lstStyle/>
+          <a:p>
+            <a:r>
+              <a:rPr lang="en-US" sz="3600">
+                <a:latin typeface="Source Code Pro"/>
+                <a:cs typeface="Source Code Pro"/>
+              </a:rPr>
+              <a:t>class Eq a where</a:t>
+            </a:r>
+          </a:p>
+          <a:p>
+            <a:r>
+              <a:rPr lang="en-US" sz="3600">
+                <a:latin typeface="Source Code Pro"/>
+                <a:cs typeface="Source Code Pro"/>
+              </a:rPr>
+              <a:t>  (==) :: a -&gt; a -&gt; Bool</a:t>
+            </a:r>
+          </a:p>
+        </p:txBody>
+      </p:sp>
       <p:pic>
         <p:nvPicPr>
-          <p:cNvPr id="2" name="Picture 1"/>
+          <p:cNvPr id="4" name="Picture 3"/>
           <p:cNvPicPr>
             <a:picLocks noChangeAspect="1"/>
           </p:cNvPicPr>
@@ -7611,8 +7513,8 @@
         </p:blipFill>
         <p:spPr>
           <a:xfrm>
-            <a:off x="2191528" y="482085"/>
-            <a:ext cx="4394358" cy="6218431"/>
+            <a:off x="990600" y="1086555"/>
+            <a:ext cx="7162800" cy="2019300"/>
           </a:xfrm>
           <a:prstGeom prst="rect">
             <a:avLst/>
@@ -7622,7 +7524,7 @@
     </p:spTree>
     <p:extLst>
       <p:ext uri="{BB962C8B-B14F-4D97-AF65-F5344CB8AC3E}">
-        <p14:creationId xmlns:p14="http://schemas.microsoft.com/office/powerpoint/2010/main" val="3550014603"/>
+        <p14:creationId xmlns:p14="http://schemas.microsoft.com/office/powerpoint/2010/main" val="2234480810"/>
       </p:ext>
     </p:extLst>
   </p:cSld>
@@ -7656,49 +7558,9 @@
           <a:chExt cx="0" cy="0"/>
         </a:xfrm>
       </p:grpSpPr>
-      <p:sp>
-        <p:nvSpPr>
-          <p:cNvPr id="3" name="Rectangle 2"/>
-          <p:cNvSpPr/>
-          <p:nvPr/>
-        </p:nvSpPr>
-        <p:spPr>
-          <a:xfrm>
-            <a:off x="827852" y="4413467"/>
-            <a:ext cx="6952074" cy="1200329"/>
-          </a:xfrm>
-          <a:prstGeom prst="rect">
-            <a:avLst/>
-          </a:prstGeom>
-        </p:spPr>
-        <p:txBody>
-          <a:bodyPr wrap="square">
-            <a:spAutoFit/>
-          </a:bodyPr>
-          <a:lstStyle/>
-          <a:p>
-            <a:r>
-              <a:rPr lang="en-US" sz="3600">
-                <a:latin typeface="Source Code Pro"/>
-                <a:cs typeface="Source Code Pro"/>
-              </a:rPr>
-              <a:t>class Eq a where</a:t>
-            </a:r>
-          </a:p>
-          <a:p>
-            <a:r>
-              <a:rPr lang="en-US" sz="3600">
-                <a:latin typeface="Source Code Pro"/>
-                <a:cs typeface="Source Code Pro"/>
-              </a:rPr>
-              <a:t>  (==) :: a -&gt; a -&gt; Bool</a:t>
-            </a:r>
-          </a:p>
-        </p:txBody>
-      </p:sp>
       <p:pic>
         <p:nvPicPr>
-          <p:cNvPr id="4" name="Picture 3"/>
+          <p:cNvPr id="2" name="Picture 1"/>
           <p:cNvPicPr>
             <a:picLocks noChangeAspect="1"/>
           </p:cNvPicPr>
@@ -7712,8 +7574,8 @@
         </p:blipFill>
         <p:spPr>
           <a:xfrm>
-            <a:off x="990600" y="1086555"/>
-            <a:ext cx="7162800" cy="2019300"/>
+            <a:off x="0" y="521655"/>
+            <a:ext cx="9144000" cy="5147790"/>
           </a:xfrm>
           <a:prstGeom prst="rect">
             <a:avLst/>
@@ -7723,7 +7585,7 @@
     </p:spTree>
     <p:extLst>
       <p:ext uri="{BB962C8B-B14F-4D97-AF65-F5344CB8AC3E}">
-        <p14:creationId xmlns:p14="http://schemas.microsoft.com/office/powerpoint/2010/main" val="2234480810"/>
+        <p14:creationId xmlns:p14="http://schemas.microsoft.com/office/powerpoint/2010/main" val="3363136675"/>
       </p:ext>
     </p:extLst>
   </p:cSld>
@@ -7773,8 +7635,8 @@
         </p:blipFill>
         <p:spPr>
           <a:xfrm>
-            <a:off x="0" y="521655"/>
-            <a:ext cx="9144000" cy="5147790"/>
+            <a:off x="139700" y="1426634"/>
+            <a:ext cx="9004300" cy="3822700"/>
           </a:xfrm>
           <a:prstGeom prst="rect">
             <a:avLst/>
@@ -7784,7 +7646,7 @@
     </p:spTree>
     <p:extLst>
       <p:ext uri="{BB962C8B-B14F-4D97-AF65-F5344CB8AC3E}">
-        <p14:creationId xmlns:p14="http://schemas.microsoft.com/office/powerpoint/2010/main" val="3363136675"/>
+        <p14:creationId xmlns:p14="http://schemas.microsoft.com/office/powerpoint/2010/main" val="2542974867"/>
       </p:ext>
     </p:extLst>
   </p:cSld>
@@ -7818,9 +7680,86 @@
           <a:chExt cx="0" cy="0"/>
         </a:xfrm>
       </p:grpSpPr>
+      <p:sp>
+        <p:nvSpPr>
+          <p:cNvPr id="2" name="TextBox 1"/>
+          <p:cNvSpPr txBox="1"/>
+          <p:nvPr/>
+        </p:nvSpPr>
+        <p:spPr>
+          <a:xfrm>
+            <a:off x="630296" y="507999"/>
+            <a:ext cx="7725192" cy="2246769"/>
+          </a:xfrm>
+          <a:prstGeom prst="rect">
+            <a:avLst/>
+          </a:prstGeom>
+          <a:noFill/>
+        </p:spPr>
+        <p:txBody>
+          <a:bodyPr wrap="none" rtlCol="0">
+            <a:spAutoFit/>
+          </a:bodyPr>
+          <a:lstStyle/>
+          <a:p>
+            <a:r>
+              <a:rPr lang="en-US" sz="2000">
+                <a:latin typeface="Source Code Pro"/>
+                <a:cs typeface="Source Code Pro"/>
+              </a:rPr>
+              <a:t>data Pair a b = Pair a b</a:t>
+            </a:r>
+          </a:p>
+          <a:p>
+            <a:endParaRPr lang="en-US" sz="2000">
+              <a:latin typeface="Source Code Pro"/>
+              <a:cs typeface="Source Code Pro"/>
+            </a:endParaRPr>
+          </a:p>
+          <a:p>
+            <a:r>
+              <a:rPr lang="en-US" sz="2000">
+                <a:latin typeface="Source Code Pro"/>
+                <a:cs typeface="Source Code Pro"/>
+              </a:rPr>
+              <a:t>instance (Eq a, Eq b) =&gt; Eq (Pair a b) where</a:t>
+            </a:r>
+          </a:p>
+          <a:p>
+            <a:r>
+              <a:rPr lang="en-US" sz="2000">
+                <a:latin typeface="Source Code Pro"/>
+                <a:cs typeface="Source Code Pro"/>
+              </a:rPr>
+              <a:t>  (Pair a b) == (Pair a' b') = a == a' &amp;&amp; b == b'</a:t>
+            </a:r>
+          </a:p>
+          <a:p>
+            <a:endParaRPr lang="en-US" sz="2000">
+              <a:latin typeface="Source Code Pro"/>
+              <a:cs typeface="Source Code Pro"/>
+            </a:endParaRPr>
+          </a:p>
+          <a:p>
+            <a:r>
+              <a:rPr lang="en-US" sz="2000">
+                <a:latin typeface="Source Code Pro"/>
+                <a:cs typeface="Source Code Pro"/>
+              </a:rPr>
+              <a:t>q = (Pair "cat" 7) == (Pair "dog" 7)</a:t>
+            </a:r>
+          </a:p>
+          <a:p>
+            <a:endParaRPr lang="en-US" sz="2000">
+              <a:latin typeface="Source Code Pro"/>
+              <a:cs typeface="Source Code Pro"/>
+            </a:endParaRPr>
+          </a:p>
+        </p:txBody>
+      </p:sp>
       <p:pic>
         <p:nvPicPr>
-          <p:cNvPr id="2" name="Picture 1"/>
+          <p:cNvPr id="3" name="Picture 2"/>
           <p:cNvPicPr>
             <a:picLocks noChangeAspect="1"/>
           </p:cNvPicPr>
@@ -7834,8 +7773,8 @@
         </p:blipFill>
         <p:spPr>
           <a:xfrm>
-            <a:off x="139700" y="1426634"/>
-            <a:ext cx="9004300" cy="3822700"/>
+            <a:off x="7689679" y="5815676"/>
+            <a:ext cx="1331617" cy="942605"/>
           </a:xfrm>
           <a:prstGeom prst="rect">
             <a:avLst/>
@@ -7845,13 +7784,20 @@
     </p:spTree>
     <p:extLst>
       <p:ext uri="{BB962C8B-B14F-4D97-AF65-F5344CB8AC3E}">
-        <p14:creationId xmlns:p14="http://schemas.microsoft.com/office/powerpoint/2010/main" val="2542974867"/>
+        <p14:creationId xmlns:p14="http://schemas.microsoft.com/office/powerpoint/2010/main" val="1353604424"/>
       </p:ext>
     </p:extLst>
   </p:cSld>
   <p:clrMapOvr>
     <a:masterClrMapping/>
   </p:clrMapOvr>
+  <p:timing>
+    <p:tnLst>
+      <p:par>
+        <p:cTn xmlns:p14="http://schemas.microsoft.com/office/powerpoint/2010/main" id="1" dur="indefinite" restart="never" nodeType="tmRoot"/>
+      </p:par>
+    </p:tnLst>
+  </p:timing>
 </p:sld>
 </file>
 
@@ -7959,147 +7905,32 @@
       </p:grpSpPr>
       <p:sp>
         <p:nvSpPr>
-          <p:cNvPr id="2" name="TextBox 1"/>
-          <p:cNvSpPr txBox="1"/>
-          <p:nvPr/>
-        </p:nvSpPr>
-        <p:spPr>
-          <a:xfrm>
-            <a:off x="630296" y="507999"/>
-            <a:ext cx="7725192" cy="5324535"/>
-          </a:xfrm>
-          <a:prstGeom prst="rect">
-            <a:avLst/>
-          </a:prstGeom>
-          <a:noFill/>
-        </p:spPr>
-        <p:txBody>
-          <a:bodyPr wrap="none" rtlCol="0">
+          <p:cNvPr id="2" name="Rectangle 1"/>
+          <p:cNvSpPr/>
+          <p:nvPr/>
+        </p:nvSpPr>
+        <p:spPr>
+          <a:xfrm>
+            <a:off x="510391" y="2009183"/>
+            <a:ext cx="4616643" cy="369332"/>
+          </a:xfrm>
+          <a:prstGeom prst="rect">
+            <a:avLst/>
+          </a:prstGeom>
+        </p:spPr>
+        <p:txBody>
+          <a:bodyPr wrap="none">
             <a:spAutoFit/>
           </a:bodyPr>
           <a:lstStyle/>
           <a:p>
             <a:r>
-              <a:rPr lang="en-US" sz="2000">
+              <a:rPr lang="en-US">
                 <a:latin typeface="Source Code Pro"/>
                 <a:cs typeface="Source Code Pro"/>
               </a:rPr>
-              <a:t>data Pair a b = Pair a b</a:t>
-            </a:r>
-          </a:p>
-          <a:p>
-            <a:endParaRPr lang="en-US" sz="2000">
-              <a:latin typeface="Source Code Pro"/>
-              <a:cs typeface="Source Code Pro"/>
-            </a:endParaRPr>
-          </a:p>
-          <a:p>
-            <a:r>
-              <a:rPr lang="en-US" sz="2000">
-                <a:latin typeface="Source Code Pro"/>
-                <a:cs typeface="Source Code Pro"/>
-              </a:rPr>
-              <a:t>instance (Eq a, Eq b) =&gt; Eq (Pair a b) where</a:t>
-            </a:r>
-          </a:p>
-          <a:p>
-            <a:r>
-              <a:rPr lang="en-US" sz="2000">
-                <a:latin typeface="Source Code Pro"/>
-                <a:cs typeface="Source Code Pro"/>
-              </a:rPr>
-              <a:t>  (Pair a b) == (Pair a' b') = a == a' &amp;&amp; b == b'</a:t>
-            </a:r>
-          </a:p>
-          <a:p>
-            <a:endParaRPr lang="en-US" sz="2000">
-              <a:latin typeface="Source Code Pro"/>
-              <a:cs typeface="Source Code Pro"/>
-            </a:endParaRPr>
-          </a:p>
-          <a:p>
-            <a:r>
-              <a:rPr lang="en-US" sz="2000">
-                <a:latin typeface="Source Code Pro"/>
-                <a:cs typeface="Source Code Pro"/>
-              </a:rPr>
-              <a:t>q = (Pair "cat" 7) == (Pair "dog" 7)</a:t>
-            </a:r>
-          </a:p>
-          <a:p>
-            <a:endParaRPr lang="en-US" sz="2000">
-              <a:latin typeface="Source Code Pro"/>
-              <a:cs typeface="Source Code Pro"/>
-            </a:endParaRPr>
-          </a:p>
-          <a:p>
-            <a:endParaRPr lang="en-US" sz="2000">
-              <a:latin typeface="Source Code Pro"/>
-              <a:cs typeface="Source Code Pro"/>
-            </a:endParaRPr>
-          </a:p>
-          <a:p>
-            <a:endParaRPr lang="en-US" sz="2000">
-              <a:latin typeface="Source Code Pro"/>
-              <a:cs typeface="Source Code Pro"/>
-            </a:endParaRPr>
-          </a:p>
-          <a:p>
-            <a:endParaRPr lang="en-US" sz="2000">
-              <a:latin typeface="Source Code Pro"/>
-              <a:cs typeface="Source Code Pro"/>
-            </a:endParaRPr>
-          </a:p>
-          <a:p>
-            <a:r>
-              <a:rPr lang="en-US" sz="2000">
-                <a:latin typeface="Source Code Pro"/>
-                <a:cs typeface="Source Code Pro"/>
-              </a:rPr>
-              <a:t>instance (Eq a, Eq b) =&gt; Eq (a, b) where</a:t>
-            </a:r>
-          </a:p>
-          <a:p>
-            <a:r>
-              <a:rPr lang="en-US" sz="2000">
-                <a:latin typeface="Source Code Pro"/>
-                <a:cs typeface="Source Code Pro"/>
-              </a:rPr>
-              <a:t>  (a, b) == (a', b') = a == a' &amp;&amp; b == b'</a:t>
-            </a:r>
-          </a:p>
-          <a:p>
-            <a:endParaRPr lang="en-US" sz="2000">
-              <a:latin typeface="Source Code Pro"/>
-              <a:cs typeface="Source Code Pro"/>
-            </a:endParaRPr>
-          </a:p>
-          <a:p>
-            <a:r>
-              <a:rPr lang="en-US" sz="2000">
-                <a:latin typeface="Source Code Pro"/>
-                <a:cs typeface="Source Code Pro"/>
-              </a:rPr>
-              <a:t>r = ("cat", 7) == ("dog", 7)</a:t>
-            </a:r>
-          </a:p>
-          <a:p>
-            <a:endParaRPr lang="en-US" sz="2000">
-              <a:latin typeface="Source Code Pro"/>
-              <a:cs typeface="Source Code Pro"/>
-            </a:endParaRPr>
-          </a:p>
-          <a:p>
-            <a:endParaRPr lang="en-US" sz="2000">
-              <a:latin typeface="Source Code Pro"/>
-              <a:cs typeface="Source Code Pro"/>
-            </a:endParaRPr>
-          </a:p>
-          <a:p>
-            <a:endParaRPr lang="en-US" sz="2000">
-              <a:latin typeface="Source Code Pro"/>
-              <a:cs typeface="Source Code Pro"/>
-            </a:endParaRPr>
+              <a:t>(Pair "cat" 7) == (Pair "dog" 7)</a:t>
+            </a:r>
           </a:p>
         </p:txBody>
       </p:sp>
@@ -8119,18 +7950,79 @@
         </p:blipFill>
         <p:spPr>
           <a:xfrm>
-            <a:off x="7689679" y="5815676"/>
-            <a:ext cx="1331617" cy="942605"/>
+            <a:off x="649427" y="1644193"/>
+            <a:ext cx="515621" cy="364990"/>
           </a:xfrm>
           <a:prstGeom prst="rect">
             <a:avLst/>
           </a:prstGeom>
         </p:spPr>
       </p:pic>
+      <p:pic>
+        <p:nvPicPr>
+          <p:cNvPr id="4" name="Picture 3"/>
+          <p:cNvPicPr>
+            <a:picLocks noChangeAspect="1"/>
+          </p:cNvPicPr>
+          <p:nvPr/>
+        </p:nvPicPr>
+        <p:blipFill>
+          <a:blip r:embed="rId3"/>
+          <a:stretch>
+            <a:fillRect/>
+          </a:stretch>
+        </p:blipFill>
+        <p:spPr>
+          <a:xfrm>
+            <a:off x="495403" y="3120479"/>
+            <a:ext cx="627812" cy="627812"/>
+          </a:xfrm>
+          <a:prstGeom prst="rect">
+            <a:avLst/>
+          </a:prstGeom>
+        </p:spPr>
+      </p:pic>
+      <p:sp>
+        <p:nvSpPr>
+          <p:cNvPr id="5" name="Rectangle 4"/>
+          <p:cNvSpPr/>
+          <p:nvPr/>
+        </p:nvSpPr>
+        <p:spPr>
+          <a:xfrm>
+            <a:off x="517729" y="3763134"/>
+            <a:ext cx="8217625" cy="646331"/>
+          </a:xfrm>
+          <a:prstGeom prst="rect">
+            <a:avLst/>
+          </a:prstGeom>
+        </p:spPr>
+        <p:txBody>
+          <a:bodyPr wrap="none">
+            <a:spAutoFit/>
+          </a:bodyPr>
+          <a:lstStyle/>
+          <a:p>
+            <a:r>
+              <a:rPr lang="en-US">
+                <a:latin typeface="Source Code Pro"/>
+                <a:cs typeface="Source Code Pro"/>
+              </a:rPr>
+              <a:t>pairEq(intEq, stringEq).eq(pair("cat", 7), pair("dog", 7))</a:t>
+            </a:r>
+          </a:p>
+          <a:p>
+            <a:endParaRPr lang="en-US">
+              <a:latin typeface="Source Code Pro"/>
+              <a:cs typeface="Source Code Pro"/>
+            </a:endParaRPr>
+          </a:p>
+        </p:txBody>
+      </p:sp>
     </p:spTree>
     <p:extLst>
       <p:ext uri="{BB962C8B-B14F-4D97-AF65-F5344CB8AC3E}">
-        <p14:creationId xmlns:p14="http://schemas.microsoft.com/office/powerpoint/2010/main" val="1353604424"/>
+        <p14:creationId xmlns:p14="http://schemas.microsoft.com/office/powerpoint/2010/main" val="301078497"/>
       </p:ext>
     </p:extLst>
   </p:cSld>
@@ -8172,8 +8064,8 @@
         </p:nvSpPr>
         <p:spPr>
           <a:xfrm>
-            <a:off x="630296" y="1881481"/>
-            <a:ext cx="5724644" cy="400110"/>
+            <a:off x="495403" y="2027997"/>
+            <a:ext cx="6955750" cy="1015663"/>
           </a:xfrm>
           <a:prstGeom prst="rect">
             <a:avLst/>
@@ -8191,8 +8083,27 @@
                 <a:latin typeface="Source Code Pro"/>
                 <a:cs typeface="Source Code Pro"/>
               </a:rPr>
-              <a:t>data Pair a b = Pair a b deriving Eq</a:t>
-            </a:r>
+              <a:t>instance (Eq a, Eq b) =&gt; Eq (Pair a b) where</a:t>
+            </a:r>
+          </a:p>
+          <a:p>
+            <a:r>
+              <a:rPr lang="en-US" sz="2000">
+                <a:latin typeface="Source Code Pro"/>
+                <a:cs typeface="Source Code Pro"/>
+              </a:rPr>
+              <a:t>  ...</a:t>
+            </a:r>
+            <a:endParaRPr lang="en-US" sz="2000">
+              <a:latin typeface="Source Code Pro"/>
+              <a:cs typeface="Source Code Pro"/>
+            </a:endParaRPr>
+          </a:p>
+          <a:p>
+            <a:endParaRPr lang="en-US" sz="2000">
+              <a:latin typeface="Source Code Pro"/>
+              <a:cs typeface="Source Code Pro"/>
+            </a:endParaRPr>
           </a:p>
         </p:txBody>
       </p:sp>
@@ -8220,10 +8131,116 @@
           </a:prstGeom>
         </p:spPr>
       </p:pic>
+      <p:sp>
+        <p:nvSpPr>
+          <p:cNvPr id="5" name="Rectangle 4"/>
+          <p:cNvSpPr/>
+          <p:nvPr/>
+        </p:nvSpPr>
+        <p:spPr>
+          <a:xfrm>
+            <a:off x="495403" y="3783127"/>
+            <a:ext cx="7930446" cy="1200329"/>
+          </a:xfrm>
+          <a:prstGeom prst="rect">
+            <a:avLst/>
+          </a:prstGeom>
+        </p:spPr>
+        <p:txBody>
+          <a:bodyPr wrap="square">
+            <a:spAutoFit/>
+          </a:bodyPr>
+          <a:lstStyle/>
+          <a:p>
+            <a:r>
+              <a:rPr lang="en-US">
+                <a:latin typeface="Source Code Pro"/>
+                <a:cs typeface="Source Code Pro"/>
+              </a:rPr>
+              <a:t>static &lt;A, B&gt; Eq&lt;Pair&lt;A, B&gt;&gt; </a:t>
+            </a:r>
+          </a:p>
+          <a:p>
+            <a:r>
+              <a:rPr lang="en-US">
+                <a:latin typeface="Source Code Pro"/>
+                <a:cs typeface="Source Code Pro"/>
+              </a:rPr>
+              <a:t>  pairEq(Eq&lt;A&gt; eqa, Eq&lt;B&gt; eqb) {</a:t>
+            </a:r>
+          </a:p>
+          <a:p>
+            <a:r>
+              <a:rPr lang="en-US">
+                <a:latin typeface="Source Code Pro"/>
+                <a:cs typeface="Source Code Pro"/>
+              </a:rPr>
+              <a:t>...</a:t>
+            </a:r>
+          </a:p>
+          <a:p>
+            <a:r>
+              <a:rPr lang="en-US">
+                <a:latin typeface="Source Code Pro"/>
+                <a:cs typeface="Source Code Pro"/>
+              </a:rPr>
+              <a:t>}</a:t>
+            </a:r>
+          </a:p>
+        </p:txBody>
+      </p:sp>
+      <p:pic>
+        <p:nvPicPr>
+          <p:cNvPr id="6" name="Picture 5"/>
+          <p:cNvPicPr>
+            <a:picLocks noChangeAspect="1"/>
+          </p:cNvPicPr>
+          <p:nvPr/>
+        </p:nvPicPr>
+        <p:blipFill>
+          <a:blip r:embed="rId2"/>
+          <a:stretch>
+            <a:fillRect/>
+          </a:stretch>
+        </p:blipFill>
+        <p:spPr>
+          <a:xfrm>
+            <a:off x="649427" y="1644193"/>
+            <a:ext cx="515621" cy="364990"/>
+          </a:xfrm>
+          <a:prstGeom prst="rect">
+            <a:avLst/>
+          </a:prstGeom>
+        </p:spPr>
+      </p:pic>
+      <p:pic>
+        <p:nvPicPr>
+          <p:cNvPr id="7" name="Picture 6"/>
+          <p:cNvPicPr>
+            <a:picLocks noChangeAspect="1"/>
+          </p:cNvPicPr>
+          <p:nvPr/>
+        </p:nvPicPr>
+        <p:blipFill>
+          <a:blip r:embed="rId3"/>
+          <a:stretch>
+            <a:fillRect/>
+          </a:stretch>
+        </p:blipFill>
+        <p:spPr>
+          <a:xfrm>
+            <a:off x="495403" y="3120479"/>
+            <a:ext cx="627812" cy="627812"/>
+          </a:xfrm>
+          <a:prstGeom prst="rect">
+            <a:avLst/>
+          </a:prstGeom>
+        </p:spPr>
+      </p:pic>
     </p:spTree>
     <p:extLst>
       <p:ext uri="{BB962C8B-B14F-4D97-AF65-F5344CB8AC3E}">
-        <p14:creationId xmlns:p14="http://schemas.microsoft.com/office/powerpoint/2010/main" val="2775499006"/>
+        <p14:creationId xmlns:p14="http://schemas.microsoft.com/office/powerpoint/2010/main" val="3507252628"/>
       </p:ext>
     </p:extLst>
   </p:cSld>
@@ -8259,618 +8276,7 @@
       </p:grpSpPr>
       <p:pic>
         <p:nvPicPr>
-          <p:cNvPr id="15" name="Picture 14"/>
-          <p:cNvPicPr>
-            <a:picLocks noChangeAspect="1"/>
-          </p:cNvPicPr>
-          <p:nvPr/>
-        </p:nvPicPr>
-        <p:blipFill>
-          <a:blip r:embed="rId2"/>
-          <a:stretch>
-            <a:fillRect/>
-          </a:stretch>
-        </p:blipFill>
-        <p:spPr>
-          <a:xfrm>
-            <a:off x="147415" y="1282872"/>
-            <a:ext cx="918884" cy="918884"/>
-          </a:xfrm>
-          <a:prstGeom prst="rect">
-            <a:avLst/>
-          </a:prstGeom>
-        </p:spPr>
-      </p:pic>
-      <p:sp>
-        <p:nvSpPr>
-          <p:cNvPr id="16" name="Rectangle 15"/>
-          <p:cNvSpPr/>
-          <p:nvPr/>
-        </p:nvSpPr>
-        <p:spPr>
-          <a:xfrm>
-            <a:off x="1633120" y="669651"/>
-            <a:ext cx="1040456" cy="733778"/>
-          </a:xfrm>
-          <a:prstGeom prst="rect">
-            <a:avLst/>
-          </a:prstGeom>
-        </p:spPr>
-        <p:style>
-          <a:lnRef idx="1">
-            <a:schemeClr val="accent2"/>
-          </a:lnRef>
-          <a:fillRef idx="2">
-            <a:schemeClr val="accent2"/>
-          </a:fillRef>
-          <a:effectRef idx="1">
-            <a:schemeClr val="accent2"/>
-          </a:effectRef>
-          <a:fontRef idx="minor">
-            <a:schemeClr val="dk1"/>
-          </a:fontRef>
-        </p:style>
-        <p:txBody>
-          <a:bodyPr rtlCol="0" anchor="ctr"/>
-          <a:lstStyle/>
-          <a:p>
-            <a:pPr algn="ctr"/>
-            <a:r>
-              <a:rPr lang="en-US"/>
-              <a:t>Object</a:t>
-            </a:r>
-          </a:p>
-        </p:txBody>
-      </p:sp>
-      <p:sp>
-        <p:nvSpPr>
-          <p:cNvPr id="17" name="Rectangle 16"/>
-          <p:cNvSpPr/>
-          <p:nvPr/>
-        </p:nvSpPr>
-        <p:spPr>
-          <a:xfrm>
-            <a:off x="1362220" y="2195533"/>
-            <a:ext cx="1574788" cy="733778"/>
-          </a:xfrm>
-          <a:prstGeom prst="rect">
-            <a:avLst/>
-          </a:prstGeom>
-        </p:spPr>
-        <p:style>
-          <a:lnRef idx="1">
-            <a:schemeClr val="accent2"/>
-          </a:lnRef>
-          <a:fillRef idx="2">
-            <a:schemeClr val="accent2"/>
-          </a:fillRef>
-          <a:effectRef idx="1">
-            <a:schemeClr val="accent2"/>
-          </a:effectRef>
-          <a:fontRef idx="minor">
-            <a:schemeClr val="dk1"/>
-          </a:fontRef>
-        </p:style>
-        <p:txBody>
-          <a:bodyPr rtlCol="0" anchor="ctr"/>
-          <a:lstStyle/>
-          <a:p>
-            <a:pPr algn="ctr"/>
-            <a:r>
-              <a:rPr lang="en-US"/>
-              <a:t>Pair&lt;A, B&gt;</a:t>
-            </a:r>
-          </a:p>
-        </p:txBody>
-      </p:sp>
-      <p:cxnSp>
-        <p:nvCxnSpPr>
-          <p:cNvPr id="19" name="Straight Arrow Connector 18"/>
-          <p:cNvCxnSpPr>
-            <a:stCxn id="17" idx="0"/>
-            <a:endCxn id="16" idx="2"/>
-          </p:cNvCxnSpPr>
-          <p:nvPr/>
-        </p:nvCxnSpPr>
-        <p:spPr>
-          <a:xfrm flipV="1">
-            <a:off x="2149614" y="1403429"/>
-            <a:ext cx="3734" cy="792104"/>
-          </a:xfrm>
-          <a:prstGeom prst="straightConnector1">
-            <a:avLst/>
-          </a:prstGeom>
-          <a:ln>
-            <a:tailEnd type="arrow"/>
-          </a:ln>
-        </p:spPr>
-        <p:style>
-          <a:lnRef idx="1">
-            <a:schemeClr val="accent2"/>
-          </a:lnRef>
-          <a:fillRef idx="2">
-            <a:schemeClr val="accent2"/>
-          </a:fillRef>
-          <a:effectRef idx="1">
-            <a:schemeClr val="accent2"/>
-          </a:effectRef>
-          <a:fontRef idx="minor">
-            <a:schemeClr val="dk1"/>
-          </a:fontRef>
-        </p:style>
-      </p:cxnSp>
-      <p:sp>
-        <p:nvSpPr>
-          <p:cNvPr id="18" name="Rectangle 17"/>
-          <p:cNvSpPr/>
-          <p:nvPr/>
-        </p:nvSpPr>
-        <p:spPr>
-          <a:xfrm>
-            <a:off x="5466668" y="2195533"/>
-            <a:ext cx="1343377" cy="733778"/>
-          </a:xfrm>
-          <a:prstGeom prst="rect">
-            <a:avLst/>
-          </a:prstGeom>
-        </p:spPr>
-        <p:style>
-          <a:lnRef idx="1">
-            <a:schemeClr val="accent3"/>
-          </a:lnRef>
-          <a:fillRef idx="2">
-            <a:schemeClr val="accent3"/>
-          </a:fillRef>
-          <a:effectRef idx="1">
-            <a:schemeClr val="accent3"/>
-          </a:effectRef>
-          <a:fontRef idx="minor">
-            <a:schemeClr val="dk1"/>
-          </a:fontRef>
-        </p:style>
-        <p:txBody>
-          <a:bodyPr rtlCol="0" anchor="ctr"/>
-          <a:lstStyle/>
-          <a:p>
-            <a:pPr algn="ctr"/>
-            <a:r>
-              <a:rPr lang="en-US"/>
-              <a:t>Pair&lt;A, B&gt;</a:t>
-            </a:r>
-          </a:p>
-        </p:txBody>
-      </p:sp>
-      <p:sp>
-        <p:nvSpPr>
-          <p:cNvPr id="20" name="Rectangle 19"/>
-          <p:cNvSpPr/>
-          <p:nvPr/>
-        </p:nvSpPr>
-        <p:spPr>
-          <a:xfrm>
-            <a:off x="7301107" y="669651"/>
-            <a:ext cx="1128888" cy="733778"/>
-          </a:xfrm>
-          <a:prstGeom prst="rect">
-            <a:avLst/>
-          </a:prstGeom>
-        </p:spPr>
-        <p:style>
-          <a:lnRef idx="1">
-            <a:schemeClr val="accent3"/>
-          </a:lnRef>
-          <a:fillRef idx="2">
-            <a:schemeClr val="accent3"/>
-          </a:fillRef>
-          <a:effectRef idx="1">
-            <a:schemeClr val="accent3"/>
-          </a:effectRef>
-          <a:fontRef idx="minor">
-            <a:schemeClr val="dk1"/>
-          </a:fontRef>
-        </p:style>
-        <p:txBody>
-          <a:bodyPr rtlCol="0" anchor="ctr"/>
-          <a:lstStyle/>
-          <a:p>
-            <a:pPr algn="ctr"/>
-            <a:r>
-              <a:rPr lang="en-US"/>
-              <a:t>Eq&lt;A&gt;</a:t>
-            </a:r>
-          </a:p>
-        </p:txBody>
-      </p:sp>
-      <p:sp>
-        <p:nvSpPr>
-          <p:cNvPr id="21" name="Rectangle 20"/>
-          <p:cNvSpPr/>
-          <p:nvPr/>
-        </p:nvSpPr>
-        <p:spPr>
-          <a:xfrm>
-            <a:off x="7086601" y="2195533"/>
-            <a:ext cx="1574788" cy="733778"/>
-          </a:xfrm>
-          <a:prstGeom prst="rect">
-            <a:avLst/>
-          </a:prstGeom>
-        </p:spPr>
-        <p:style>
-          <a:lnRef idx="1">
-            <a:schemeClr val="accent3"/>
-          </a:lnRef>
-          <a:fillRef idx="2">
-            <a:schemeClr val="accent3"/>
-          </a:fillRef>
-          <a:effectRef idx="1">
-            <a:schemeClr val="accent3"/>
-          </a:effectRef>
-          <a:fontRef idx="minor">
-            <a:schemeClr val="dk1"/>
-          </a:fontRef>
-        </p:style>
-        <p:txBody>
-          <a:bodyPr rtlCol="0" anchor="ctr"/>
-          <a:lstStyle/>
-          <a:p>
-            <a:pPr algn="ctr"/>
-            <a:r>
-              <a:rPr lang="en-US"/>
-              <a:t>Eq&lt;Pair&lt;...&gt;&gt;</a:t>
-            </a:r>
-          </a:p>
-        </p:txBody>
-      </p:sp>
-      <p:cxnSp>
-        <p:nvCxnSpPr>
-          <p:cNvPr id="22" name="Straight Arrow Connector 21"/>
-          <p:cNvCxnSpPr>
-            <a:stCxn id="21" idx="0"/>
-            <a:endCxn id="20" idx="2"/>
-          </p:cNvCxnSpPr>
-          <p:nvPr/>
-        </p:nvCxnSpPr>
-        <p:spPr>
-          <a:xfrm flipH="1" flipV="1">
-            <a:off x="7865551" y="1403429"/>
-            <a:ext cx="8444" cy="792104"/>
-          </a:xfrm>
-          <a:prstGeom prst="straightConnector1">
-            <a:avLst/>
-          </a:prstGeom>
-          <a:ln>
-            <a:tailEnd type="arrow"/>
-          </a:ln>
-        </p:spPr>
-        <p:style>
-          <a:lnRef idx="1">
-            <a:schemeClr val="accent3"/>
-          </a:lnRef>
-          <a:fillRef idx="2">
-            <a:schemeClr val="accent3"/>
-          </a:fillRef>
-          <a:effectRef idx="1">
-            <a:schemeClr val="accent3"/>
-          </a:effectRef>
-          <a:fontRef idx="minor">
-            <a:schemeClr val="dk1"/>
-          </a:fontRef>
-        </p:style>
-      </p:cxnSp>
-      <p:sp>
-        <p:nvSpPr>
-          <p:cNvPr id="23" name="Rectangle 22"/>
-          <p:cNvSpPr/>
-          <p:nvPr/>
-        </p:nvSpPr>
-        <p:spPr>
-          <a:xfrm>
-            <a:off x="3273838" y="669651"/>
-            <a:ext cx="1695171" cy="733778"/>
-          </a:xfrm>
-          <a:prstGeom prst="rect">
-            <a:avLst/>
-          </a:prstGeom>
-        </p:spPr>
-        <p:style>
-          <a:lnRef idx="1">
-            <a:schemeClr val="accent5"/>
-          </a:lnRef>
-          <a:fillRef idx="2">
-            <a:schemeClr val="accent5"/>
-          </a:fillRef>
-          <a:effectRef idx="1">
-            <a:schemeClr val="accent5"/>
-          </a:effectRef>
-          <a:fontRef idx="minor">
-            <a:schemeClr val="dk1"/>
-          </a:fontRef>
-        </p:style>
-        <p:txBody>
-          <a:bodyPr rtlCol="0" anchor="ctr"/>
-          <a:lstStyle/>
-          <a:p>
-            <a:pPr algn="ctr"/>
-            <a:r>
-              <a:rPr lang="en-US"/>
-              <a:t>InstanceEq&lt;A&gt;</a:t>
-            </a:r>
-          </a:p>
-        </p:txBody>
-      </p:sp>
-      <p:sp>
-        <p:nvSpPr>
-          <p:cNvPr id="24" name="Rectangle 23"/>
-          <p:cNvSpPr/>
-          <p:nvPr/>
-        </p:nvSpPr>
-        <p:spPr>
-          <a:xfrm>
-            <a:off x="3339688" y="2195533"/>
-            <a:ext cx="1574788" cy="733778"/>
-          </a:xfrm>
-          <a:prstGeom prst="rect">
-            <a:avLst/>
-          </a:prstGeom>
-        </p:spPr>
-        <p:style>
-          <a:lnRef idx="1">
-            <a:schemeClr val="accent5"/>
-          </a:lnRef>
-          <a:fillRef idx="2">
-            <a:schemeClr val="accent5"/>
-          </a:fillRef>
-          <a:effectRef idx="1">
-            <a:schemeClr val="accent5"/>
-          </a:effectRef>
-          <a:fontRef idx="minor">
-            <a:schemeClr val="dk1"/>
-          </a:fontRef>
-        </p:style>
-        <p:txBody>
-          <a:bodyPr rtlCol="0" anchor="ctr"/>
-          <a:lstStyle/>
-          <a:p>
-            <a:pPr algn="ctr"/>
-            <a:r>
-              <a:rPr lang="en-US"/>
-              <a:t>Pair&lt;A, B&gt;</a:t>
-            </a:r>
-          </a:p>
-        </p:txBody>
-      </p:sp>
-      <p:cxnSp>
-        <p:nvCxnSpPr>
-          <p:cNvPr id="5" name="Straight Arrow Connector 4"/>
-          <p:cNvCxnSpPr>
-            <a:stCxn id="24" idx="0"/>
-            <a:endCxn id="23" idx="2"/>
-          </p:cNvCxnSpPr>
-          <p:nvPr/>
-        </p:nvCxnSpPr>
-        <p:spPr>
-          <a:xfrm flipH="1" flipV="1">
-            <a:off x="4121424" y="1403429"/>
-            <a:ext cx="5658" cy="792104"/>
-          </a:xfrm>
-          <a:prstGeom prst="straightConnector1">
-            <a:avLst/>
-          </a:prstGeom>
-          <a:ln>
-            <a:tailEnd type="arrow"/>
-          </a:ln>
-        </p:spPr>
-        <p:style>
-          <a:lnRef idx="1">
-            <a:schemeClr val="accent5"/>
-          </a:lnRef>
-          <a:fillRef idx="2">
-            <a:schemeClr val="accent5"/>
-          </a:fillRef>
-          <a:effectRef idx="1">
-            <a:schemeClr val="accent5"/>
-          </a:effectRef>
-          <a:fontRef idx="minor">
-            <a:schemeClr val="dk1"/>
-          </a:fontRef>
-        </p:style>
-      </p:cxnSp>
-      <p:sp>
-        <p:nvSpPr>
-          <p:cNvPr id="25" name="Rectangle 24"/>
-          <p:cNvSpPr/>
-          <p:nvPr/>
-        </p:nvSpPr>
-        <p:spPr>
-          <a:xfrm>
-            <a:off x="5241784" y="5138211"/>
-            <a:ext cx="1343377" cy="733778"/>
-          </a:xfrm>
-          <a:prstGeom prst="rect">
-            <a:avLst/>
-          </a:prstGeom>
-        </p:spPr>
-        <p:style>
-          <a:lnRef idx="1">
-            <a:schemeClr val="accent1"/>
-          </a:lnRef>
-          <a:fillRef idx="3">
-            <a:schemeClr val="accent1"/>
-          </a:fillRef>
-          <a:effectRef idx="2">
-            <a:schemeClr val="accent1"/>
-          </a:effectRef>
-          <a:fontRef idx="minor">
-            <a:schemeClr val="lt1"/>
-          </a:fontRef>
-        </p:style>
-        <p:txBody>
-          <a:bodyPr rtlCol="0" anchor="ctr"/>
-          <a:lstStyle/>
-          <a:p>
-            <a:pPr algn="ctr"/>
-            <a:r>
-              <a:rPr lang="en-US"/>
-              <a:t>Pair</a:t>
-            </a:r>
-          </a:p>
-        </p:txBody>
-      </p:sp>
-      <p:sp>
-        <p:nvSpPr>
-          <p:cNvPr id="26" name="Rectangle 25"/>
-          <p:cNvSpPr/>
-          <p:nvPr/>
-        </p:nvSpPr>
-        <p:spPr>
-          <a:xfrm>
-            <a:off x="7229582" y="3612329"/>
-            <a:ext cx="1267183" cy="733778"/>
-          </a:xfrm>
-          <a:prstGeom prst="rect">
-            <a:avLst/>
-          </a:prstGeom>
-        </p:spPr>
-        <p:style>
-          <a:lnRef idx="1">
-            <a:schemeClr val="accent1"/>
-          </a:lnRef>
-          <a:fillRef idx="3">
-            <a:schemeClr val="accent1"/>
-          </a:fillRef>
-          <a:effectRef idx="2">
-            <a:schemeClr val="accent1"/>
-          </a:effectRef>
-          <a:fontRef idx="minor">
-            <a:schemeClr val="lt1"/>
-          </a:fontRef>
-        </p:style>
-        <p:txBody>
-          <a:bodyPr rtlCol="0" anchor="ctr"/>
-          <a:lstStyle/>
-          <a:p>
-            <a:pPr algn="ctr"/>
-            <a:r>
-              <a:rPr lang="en-US"/>
-              <a:t>Eq a</a:t>
-            </a:r>
-          </a:p>
-        </p:txBody>
-      </p:sp>
-      <p:sp>
-        <p:nvSpPr>
-          <p:cNvPr id="27" name="Rectangle 26"/>
-          <p:cNvSpPr/>
-          <p:nvPr/>
-        </p:nvSpPr>
-        <p:spPr>
-          <a:xfrm>
-            <a:off x="7190999" y="5138211"/>
-            <a:ext cx="1343377" cy="733778"/>
-          </a:xfrm>
-          <a:prstGeom prst="rect">
-            <a:avLst/>
-          </a:prstGeom>
-        </p:spPr>
-        <p:style>
-          <a:lnRef idx="1">
-            <a:schemeClr val="accent1"/>
-          </a:lnRef>
-          <a:fillRef idx="3">
-            <a:schemeClr val="accent1"/>
-          </a:fillRef>
-          <a:effectRef idx="2">
-            <a:schemeClr val="accent1"/>
-          </a:effectRef>
-          <a:fontRef idx="minor">
-            <a:schemeClr val="lt1"/>
-          </a:fontRef>
-        </p:style>
-        <p:txBody>
-          <a:bodyPr rtlCol="0" anchor="ctr"/>
-          <a:lstStyle/>
-          <a:p>
-            <a:pPr algn="ctr"/>
-            <a:r>
-              <a:rPr lang="en-US"/>
-              <a:t>instance Eq Pair</a:t>
-            </a:r>
-          </a:p>
-        </p:txBody>
-      </p:sp>
-      <p:cxnSp>
-        <p:nvCxnSpPr>
-          <p:cNvPr id="28" name="Straight Connector 27"/>
-          <p:cNvCxnSpPr>
-            <a:stCxn id="25" idx="3"/>
-            <a:endCxn id="27" idx="1"/>
-          </p:cNvCxnSpPr>
-          <p:nvPr/>
-        </p:nvCxnSpPr>
-        <p:spPr>
-          <a:xfrm>
-            <a:off x="6585161" y="5505100"/>
-            <a:ext cx="605838" cy="0"/>
-          </a:xfrm>
-          <a:prstGeom prst="line">
-            <a:avLst/>
-          </a:prstGeom>
-        </p:spPr>
-        <p:style>
-          <a:lnRef idx="2">
-            <a:schemeClr val="accent1"/>
-          </a:lnRef>
-          <a:fillRef idx="0">
-            <a:schemeClr val="accent1"/>
-          </a:fillRef>
-          <a:effectRef idx="1">
-            <a:schemeClr val="accent1"/>
-          </a:effectRef>
-          <a:fontRef idx="minor">
-            <a:schemeClr val="tx1"/>
-          </a:fontRef>
-        </p:style>
-      </p:cxnSp>
-      <p:cxnSp>
-        <p:nvCxnSpPr>
-          <p:cNvPr id="29" name="Straight Arrow Connector 28"/>
-          <p:cNvCxnSpPr>
-            <a:stCxn id="27" idx="0"/>
-            <a:endCxn id="26" idx="2"/>
-          </p:cNvCxnSpPr>
-          <p:nvPr/>
-        </p:nvCxnSpPr>
-        <p:spPr>
-          <a:xfrm flipV="1">
-            <a:off x="7862688" y="4346107"/>
-            <a:ext cx="486" cy="792104"/>
-          </a:xfrm>
-          <a:prstGeom prst="straightConnector1">
-            <a:avLst/>
-          </a:prstGeom>
-          <a:ln>
-            <a:tailEnd type="arrow"/>
-          </a:ln>
-        </p:spPr>
-        <p:style>
-          <a:lnRef idx="2">
-            <a:schemeClr val="accent1"/>
-          </a:lnRef>
-          <a:fillRef idx="0">
-            <a:schemeClr val="accent1"/>
-          </a:fillRef>
-          <a:effectRef idx="1">
-            <a:schemeClr val="accent1"/>
-          </a:effectRef>
-          <a:fontRef idx="minor">
-            <a:schemeClr val="tx1"/>
-          </a:fontRef>
-        </p:style>
-      </p:cxnSp>
-      <p:pic>
-        <p:nvPicPr>
-          <p:cNvPr id="30" name="Picture 29"/>
+          <p:cNvPr id="8" name="Picture 7"/>
           <p:cNvPicPr>
             <a:picLocks noChangeAspect="1"/>
           </p:cNvPicPr>
@@ -8884,18 +8290,62 @@
         </p:blipFill>
         <p:spPr>
           <a:xfrm>
-            <a:off x="210804" y="4337939"/>
-            <a:ext cx="840986" cy="595305"/>
+            <a:off x="279382" y="1450680"/>
+            <a:ext cx="2247900" cy="3606800"/>
           </a:xfrm>
           <a:prstGeom prst="rect">
             <a:avLst/>
           </a:prstGeom>
         </p:spPr>
       </p:pic>
+      <p:sp>
+        <p:nvSpPr>
+          <p:cNvPr id="6" name="TextBox 5"/>
+          <p:cNvSpPr txBox="1"/>
+          <p:nvPr/>
+        </p:nvSpPr>
+        <p:spPr>
+          <a:xfrm>
+            <a:off x="1596309" y="1855672"/>
+            <a:ext cx="7547691" cy="2123658"/>
+          </a:xfrm>
+          <a:prstGeom prst="rect">
+            <a:avLst/>
+          </a:prstGeom>
+          <a:noFill/>
+        </p:spPr>
+        <p:txBody>
+          <a:bodyPr wrap="square" rtlCol="0">
+            <a:spAutoFit/>
+          </a:bodyPr>
+          <a:lstStyle/>
+          <a:p>
+            <a:pPr algn="ctr"/>
+            <a:r>
+              <a:rPr lang="en-US" sz="4400"/>
+              <a:t>Conditional </a:t>
+            </a:r>
+          </a:p>
+          <a:p>
+            <a:pPr algn="ctr"/>
+            <a:r>
+              <a:rPr lang="en-US" sz="4400"/>
+              <a:t>implementation </a:t>
+            </a:r>
+          </a:p>
+          <a:p>
+            <a:pPr algn="ctr"/>
+            <a:r>
+              <a:rPr lang="en-US" sz="4400"/>
+              <a:t>of interface</a:t>
+            </a:r>
+          </a:p>
+        </p:txBody>
+      </p:sp>
     </p:spTree>
     <p:extLst>
       <p:ext uri="{BB962C8B-B14F-4D97-AF65-F5344CB8AC3E}">
-        <p14:creationId xmlns:p14="http://schemas.microsoft.com/office/powerpoint/2010/main" val="199365099"/>
+        <p14:creationId xmlns:p14="http://schemas.microsoft.com/office/powerpoint/2010/main" val="2320587433"/>
       </p:ext>
     </p:extLst>
   </p:cSld>
@@ -8929,251 +8379,6 @@
           <a:chExt cx="0" cy="0"/>
         </a:xfrm>
       </p:grpSpPr>
-      <p:pic>
-        <p:nvPicPr>
-          <p:cNvPr id="8" name="Picture 7"/>
-          <p:cNvPicPr>
-            <a:picLocks noChangeAspect="1"/>
-          </p:cNvPicPr>
-          <p:nvPr/>
-        </p:nvPicPr>
-        <p:blipFill>
-          <a:blip r:embed="rId3"/>
-          <a:stretch>
-            <a:fillRect/>
-          </a:stretch>
-        </p:blipFill>
-        <p:spPr>
-          <a:xfrm>
-            <a:off x="279382" y="1450680"/>
-            <a:ext cx="2247900" cy="3606800"/>
-          </a:xfrm>
-          <a:prstGeom prst="rect">
-            <a:avLst/>
-          </a:prstGeom>
-        </p:spPr>
-      </p:pic>
-      <p:sp>
-        <p:nvSpPr>
-          <p:cNvPr id="6" name="TextBox 5"/>
-          <p:cNvSpPr txBox="1"/>
-          <p:nvPr/>
-        </p:nvSpPr>
-        <p:spPr>
-          <a:xfrm>
-            <a:off x="1596309" y="1855672"/>
-            <a:ext cx="7547691" cy="2123658"/>
-          </a:xfrm>
-          <a:prstGeom prst="rect">
-            <a:avLst/>
-          </a:prstGeom>
-          <a:noFill/>
-        </p:spPr>
-        <p:txBody>
-          <a:bodyPr wrap="square" rtlCol="0">
-            <a:spAutoFit/>
-          </a:bodyPr>
-          <a:lstStyle/>
-          <a:p>
-            <a:pPr algn="ctr"/>
-            <a:r>
-              <a:rPr lang="en-US" sz="4400"/>
-              <a:t>Conditional </a:t>
-            </a:r>
-          </a:p>
-          <a:p>
-            <a:pPr algn="ctr"/>
-            <a:r>
-              <a:rPr lang="en-US" sz="4400"/>
-              <a:t>implementation </a:t>
-            </a:r>
-          </a:p>
-          <a:p>
-            <a:pPr algn="ctr"/>
-            <a:r>
-              <a:rPr lang="en-US" sz="4400"/>
-              <a:t>of interface</a:t>
-            </a:r>
-          </a:p>
-        </p:txBody>
-      </p:sp>
-    </p:spTree>
-    <p:extLst>
-      <p:ext uri="{BB962C8B-B14F-4D97-AF65-F5344CB8AC3E}">
-        <p14:creationId xmlns:p14="http://schemas.microsoft.com/office/powerpoint/2010/main" val="2320587433"/>
-      </p:ext>
-    </p:extLst>
-  </p:cSld>
-  <p:clrMapOvr>
-    <a:masterClrMapping/>
-  </p:clrMapOvr>
-  <p:timing>
-    <p:tnLst>
-      <p:par>
-        <p:cTn xmlns:p14="http://schemas.microsoft.com/office/powerpoint/2010/main" id="1" dur="indefinite" restart="never" nodeType="tmRoot"/>
-      </p:par>
-    </p:tnLst>
-  </p:timing>
-</p:sld>
-</file>
-
-<file path=ppt/slides/slide44.xml><?xml version="1.0" encoding="utf-8"?>
-<p:sld xmlns:a="http://schemas.openxmlformats.org/drawingml/2006/main" xmlns:r="http://schemas.openxmlformats.org/officeDocument/2006/relationships" xmlns:p="http://schemas.openxmlformats.org/presentationml/2006/main">
-  <p:cSld>
-    <p:spTree>
-      <p:nvGrpSpPr>
-        <p:cNvPr id="1" name=""/>
-        <p:cNvGrpSpPr/>
-        <p:nvPr/>
-      </p:nvGrpSpPr>
-      <p:grpSpPr>
-        <a:xfrm>
-          <a:off x="0" y="0"/>
-          <a:ext cx="0" cy="0"/>
-          <a:chOff x="0" y="0"/>
-          <a:chExt cx="0" cy="0"/>
-        </a:xfrm>
-      </p:grpSpPr>
-      <p:sp>
-        <p:nvSpPr>
-          <p:cNvPr id="2" name="TextBox 1"/>
-          <p:cNvSpPr txBox="1"/>
-          <p:nvPr/>
-        </p:nvSpPr>
-        <p:spPr>
-          <a:xfrm>
-            <a:off x="630296" y="1881481"/>
-            <a:ext cx="7725192" cy="1631216"/>
-          </a:xfrm>
-          <a:prstGeom prst="rect">
-            <a:avLst/>
-          </a:prstGeom>
-          <a:noFill/>
-        </p:spPr>
-        <p:txBody>
-          <a:bodyPr wrap="none" rtlCol="0">
-            <a:spAutoFit/>
-          </a:bodyPr>
-          <a:lstStyle/>
-          <a:p>
-            <a:r>
-              <a:rPr lang="en-US" sz="2000">
-                <a:solidFill>
-                  <a:srgbClr val="7F7F7F"/>
-                </a:solidFill>
-                <a:latin typeface="Source Code Pro"/>
-                <a:cs typeface="Source Code Pro"/>
-              </a:rPr>
-              <a:t>data Pair a b = Pair a b</a:t>
-            </a:r>
-          </a:p>
-          <a:p>
-            <a:endParaRPr lang="en-US" sz="2000">
-              <a:latin typeface="Source Code Pro"/>
-              <a:cs typeface="Source Code Pro"/>
-            </a:endParaRPr>
-          </a:p>
-          <a:p>
-            <a:r>
-              <a:rPr lang="en-US" sz="2000">
-                <a:latin typeface="Source Code Pro"/>
-                <a:cs typeface="Source Code Pro"/>
-              </a:rPr>
-              <a:t>instance (Eq a, Eq b) =&gt; Eq (Pair a b) where</a:t>
-            </a:r>
-            <a:endParaRPr lang="en-US" sz="2000">
-              <a:solidFill>
-                <a:schemeClr val="bg1">
-                  <a:lumMod val="50000"/>
-                </a:schemeClr>
-              </a:solidFill>
-              <a:latin typeface="Source Code Pro"/>
-              <a:cs typeface="Source Code Pro"/>
-            </a:endParaRPr>
-          </a:p>
-          <a:p>
-            <a:r>
-              <a:rPr lang="en-US" sz="2000">
-                <a:solidFill>
-                  <a:schemeClr val="bg1">
-                    <a:lumMod val="50000"/>
-                  </a:schemeClr>
-                </a:solidFill>
-                <a:latin typeface="Source Code Pro"/>
-                <a:cs typeface="Source Code Pro"/>
-              </a:rPr>
-              <a:t>  (Pair a b) == (Pair a' b') = a == a' &amp;&amp; b == b'</a:t>
-            </a:r>
-          </a:p>
-          <a:p>
-            <a:endParaRPr lang="en-US" sz="2000">
-              <a:latin typeface="Source Code Pro"/>
-              <a:cs typeface="Source Code Pro"/>
-            </a:endParaRPr>
-          </a:p>
-        </p:txBody>
-      </p:sp>
-      <p:pic>
-        <p:nvPicPr>
-          <p:cNvPr id="3" name="Picture 2"/>
-          <p:cNvPicPr>
-            <a:picLocks noChangeAspect="1"/>
-          </p:cNvPicPr>
-          <p:nvPr/>
-        </p:nvPicPr>
-        <p:blipFill>
-          <a:blip r:embed="rId2"/>
-          <a:stretch>
-            <a:fillRect/>
-          </a:stretch>
-        </p:blipFill>
-        <p:spPr>
-          <a:xfrm>
-            <a:off x="7689679" y="5815676"/>
-            <a:ext cx="1331617" cy="942605"/>
-          </a:xfrm>
-          <a:prstGeom prst="rect">
-            <a:avLst/>
-          </a:prstGeom>
-        </p:spPr>
-      </p:pic>
-    </p:spTree>
-    <p:extLst>
-      <p:ext uri="{BB962C8B-B14F-4D97-AF65-F5344CB8AC3E}">
-        <p14:creationId xmlns:p14="http://schemas.microsoft.com/office/powerpoint/2010/main" val="3507252628"/>
-      </p:ext>
-    </p:extLst>
-  </p:cSld>
-  <p:clrMapOvr>
-    <a:masterClrMapping/>
-  </p:clrMapOvr>
-  <p:timing>
-    <p:tnLst>
-      <p:par>
-        <p:cTn xmlns:p14="http://schemas.microsoft.com/office/powerpoint/2010/main" id="1" dur="indefinite" restart="never" nodeType="tmRoot"/>
-      </p:par>
-    </p:tnLst>
-  </p:timing>
-</p:sld>
-</file>
-
-<file path=ppt/slides/slide45.xml><?xml version="1.0" encoding="utf-8"?>
-<p:sld xmlns:a="http://schemas.openxmlformats.org/drawingml/2006/main" xmlns:r="http://schemas.openxmlformats.org/officeDocument/2006/relationships" xmlns:p="http://schemas.openxmlformats.org/presentationml/2006/main">
-  <p:cSld>
-    <p:spTree>
-      <p:nvGrpSpPr>
-        <p:cNvPr id="1" name=""/>
-        <p:cNvGrpSpPr/>
-        <p:nvPr/>
-      </p:nvGrpSpPr>
-      <p:grpSpPr>
-        <a:xfrm>
-          <a:off x="0" y="0"/>
-          <a:ext cx="0" cy="0"/>
-          <a:chOff x="0" y="0"/>
-          <a:chExt cx="0" cy="0"/>
-        </a:xfrm>
-      </p:grpSpPr>
       <p:sp>
         <p:nvSpPr>
           <p:cNvPr id="2" name="TextBox 1"/>
@@ -9408,422 +8613,7 @@
 </p:sld>
 </file>
 
-<file path=ppt/slides/slide46.xml><?xml version="1.0" encoding="utf-8"?>
-<p:sld xmlns:a="http://schemas.openxmlformats.org/drawingml/2006/main" xmlns:r="http://schemas.openxmlformats.org/officeDocument/2006/relationships" xmlns:p="http://schemas.openxmlformats.org/presentationml/2006/main">
-  <p:cSld>
-    <p:spTree>
-      <p:nvGrpSpPr>
-        <p:cNvPr id="1" name=""/>
-        <p:cNvGrpSpPr/>
-        <p:nvPr/>
-      </p:nvGrpSpPr>
-      <p:grpSpPr>
-        <a:xfrm>
-          <a:off x="0" y="0"/>
-          <a:ext cx="0" cy="0"/>
-          <a:chOff x="0" y="0"/>
-          <a:chExt cx="0" cy="0"/>
-        </a:xfrm>
-      </p:grpSpPr>
-      <p:sp>
-        <p:nvSpPr>
-          <p:cNvPr id="2" name="TextBox 1"/>
-          <p:cNvSpPr txBox="1"/>
-          <p:nvPr/>
-        </p:nvSpPr>
-        <p:spPr>
-          <a:xfrm>
-            <a:off x="131704" y="743185"/>
-            <a:ext cx="8485481" cy="3970318"/>
-          </a:xfrm>
-          <a:prstGeom prst="rect">
-            <a:avLst/>
-          </a:prstGeom>
-          <a:noFill/>
-        </p:spPr>
-        <p:txBody>
-          <a:bodyPr wrap="square" rtlCol="0">
-            <a:spAutoFit/>
-          </a:bodyPr>
-          <a:lstStyle/>
-          <a:p>
-            <a:r>
-              <a:rPr lang="en-US">
-                <a:latin typeface="Source Code Pro"/>
-                <a:cs typeface="Source Code Pro"/>
-              </a:rPr>
-              <a:t>interface InstanceEq {</a:t>
-            </a:r>
-          </a:p>
-          <a:p>
-            <a:r>
-              <a:rPr lang="en-US">
-                <a:latin typeface="Source Code Pro"/>
-                <a:cs typeface="Source Code Pro"/>
-              </a:rPr>
-              <a:t>  boolean eq(this other)</a:t>
-            </a:r>
-          </a:p>
-          <a:p>
-            <a:r>
-              <a:rPr lang="en-US">
-                <a:latin typeface="Source Code Pro"/>
-                <a:cs typeface="Source Code Pro"/>
-              </a:rPr>
-              <a:t>}</a:t>
-            </a:r>
-          </a:p>
-          <a:p>
-            <a:endParaRPr lang="en-US">
-              <a:latin typeface="Source Code Pro"/>
-              <a:cs typeface="Source Code Pro"/>
-            </a:endParaRPr>
-          </a:p>
-          <a:p>
-            <a:r>
-              <a:rPr lang="en-US">
-                <a:latin typeface="Source Code Pro"/>
-                <a:cs typeface="Source Code Pro"/>
-              </a:rPr>
-              <a:t>public class Pair&lt;A, B&gt; </a:t>
-            </a:r>
-          </a:p>
-          <a:p>
-            <a:r>
-              <a:rPr lang="en-US">
-                <a:latin typeface="Source Code Pro"/>
-                <a:cs typeface="Source Code Pro"/>
-              </a:rPr>
-              <a:t>  implements InstanceEq {</a:t>
-            </a:r>
-          </a:p>
-          <a:p>
-            <a:endParaRPr lang="en-US">
-              <a:latin typeface="Source Code Pro"/>
-              <a:cs typeface="Source Code Pro"/>
-            </a:endParaRPr>
-          </a:p>
-          <a:p>
-            <a:r>
-              <a:rPr lang="en-US">
-                <a:latin typeface="Source Code Pro"/>
-                <a:cs typeface="Source Code Pro"/>
-              </a:rPr>
-              <a:t>    @Override</a:t>
-            </a:r>
-          </a:p>
-          <a:p>
-            <a:r>
-              <a:rPr lang="en-US">
-                <a:latin typeface="Source Code Pro"/>
-                <a:cs typeface="Source Code Pro"/>
-              </a:rPr>
-              <a:t>    when (A extends InstanceEq, B extends InstanceEq)</a:t>
-            </a:r>
-          </a:p>
-          <a:p>
-            <a:r>
-              <a:rPr lang="en-US">
-                <a:latin typeface="Source Code Pro"/>
-                <a:cs typeface="Source Code Pro"/>
-              </a:rPr>
-              <a:t>    eq(Pair&lt;A, B&gt; other) {</a:t>
-            </a:r>
-          </a:p>
-          <a:p>
-            <a:r>
-              <a:rPr lang="en-US">
-                <a:latin typeface="Source Code Pro"/>
-                <a:cs typeface="Source Code Pro"/>
-              </a:rPr>
-              <a:t>    ... </a:t>
-            </a:r>
-          </a:p>
-          <a:p>
-            <a:r>
-              <a:rPr lang="en-US">
-                <a:latin typeface="Source Code Pro"/>
-                <a:cs typeface="Source Code Pro"/>
-              </a:rPr>
-              <a:t>   }</a:t>
-            </a:r>
-          </a:p>
-          <a:p>
-            <a:r>
-              <a:rPr lang="en-US">
-                <a:latin typeface="Source Code Pro"/>
-                <a:cs typeface="Source Code Pro"/>
-              </a:rPr>
-              <a:t>}</a:t>
-            </a:r>
-          </a:p>
-          <a:p>
-            <a:endParaRPr lang="en-US">
-              <a:latin typeface="Source Code Pro"/>
-              <a:cs typeface="Source Code Pro"/>
-            </a:endParaRPr>
-          </a:p>
-        </p:txBody>
-      </p:sp>
-      <p:pic>
-        <p:nvPicPr>
-          <p:cNvPr id="4" name="Picture 3"/>
-          <p:cNvPicPr>
-            <a:picLocks noChangeAspect="1"/>
-          </p:cNvPicPr>
-          <p:nvPr/>
-        </p:nvPicPr>
-        <p:blipFill>
-          <a:blip r:embed="rId2"/>
-          <a:stretch>
-            <a:fillRect/>
-          </a:stretch>
-        </p:blipFill>
-        <p:spPr>
-          <a:xfrm>
-            <a:off x="6630636" y="4421287"/>
-            <a:ext cx="1619660" cy="1619660"/>
-          </a:xfrm>
-          <a:prstGeom prst="rect">
-            <a:avLst/>
-          </a:prstGeom>
-        </p:spPr>
-      </p:pic>
-      <p:sp>
-        <p:nvSpPr>
-          <p:cNvPr id="5" name="&quot;No&quot; Symbol 4"/>
-          <p:cNvSpPr/>
-          <p:nvPr/>
-        </p:nvSpPr>
-        <p:spPr>
-          <a:xfrm>
-            <a:off x="6491112" y="4214518"/>
-            <a:ext cx="1992047" cy="2204434"/>
-          </a:xfrm>
-          <a:prstGeom prst="noSmoking">
-            <a:avLst>
-              <a:gd name="adj" fmla="val 2361"/>
-            </a:avLst>
-          </a:prstGeom>
-          <a:solidFill>
-            <a:srgbClr val="C0504D"/>
-          </a:solidFill>
-        </p:spPr>
-        <p:style>
-          <a:lnRef idx="1">
-            <a:schemeClr val="accent1"/>
-          </a:lnRef>
-          <a:fillRef idx="3">
-            <a:schemeClr val="accent1"/>
-          </a:fillRef>
-          <a:effectRef idx="2">
-            <a:schemeClr val="accent1"/>
-          </a:effectRef>
-          <a:fontRef idx="minor">
-            <a:schemeClr val="lt1"/>
-          </a:fontRef>
-        </p:style>
-        <p:txBody>
-          <a:bodyPr rtlCol="0" anchor="ctr"/>
-          <a:lstStyle/>
-          <a:p>
-            <a:pPr algn="ctr"/>
-            <a:endParaRPr lang="en-US">
-              <a:solidFill>
-                <a:schemeClr val="tx1"/>
-              </a:solidFill>
-            </a:endParaRPr>
-          </a:p>
-        </p:txBody>
-      </p:sp>
-    </p:spTree>
-    <p:extLst>
-      <p:ext uri="{BB962C8B-B14F-4D97-AF65-F5344CB8AC3E}">
-        <p14:creationId xmlns:p14="http://schemas.microsoft.com/office/powerpoint/2010/main" val="46981978"/>
-      </p:ext>
-    </p:extLst>
-  </p:cSld>
-  <p:clrMapOvr>
-    <a:masterClrMapping/>
-  </p:clrMapOvr>
-  <p:timing>
-    <p:tnLst>
-      <p:par>
-        <p:cTn xmlns:p14="http://schemas.microsoft.com/office/powerpoint/2010/main" id="1" dur="indefinite" restart="never" nodeType="tmRoot"/>
-      </p:par>
-    </p:tnLst>
-  </p:timing>
-</p:sld>
-</file>
-
-<file path=ppt/slides/slide47.xml><?xml version="1.0" encoding="utf-8"?>
-<p:sld xmlns:a="http://schemas.openxmlformats.org/drawingml/2006/main" xmlns:r="http://schemas.openxmlformats.org/officeDocument/2006/relationships" xmlns:p="http://schemas.openxmlformats.org/presentationml/2006/main">
-  <p:cSld>
-    <p:spTree>
-      <p:nvGrpSpPr>
-        <p:cNvPr id="1" name=""/>
-        <p:cNvGrpSpPr/>
-        <p:nvPr/>
-      </p:nvGrpSpPr>
-      <p:grpSpPr>
-        <a:xfrm>
-          <a:off x="0" y="0"/>
-          <a:ext cx="0" cy="0"/>
-          <a:chOff x="0" y="0"/>
-          <a:chExt cx="0" cy="0"/>
-        </a:xfrm>
-      </p:grpSpPr>
-      <p:sp>
-        <p:nvSpPr>
-          <p:cNvPr id="3" name="Rectangle 2"/>
-          <p:cNvSpPr/>
-          <p:nvPr/>
-        </p:nvSpPr>
-        <p:spPr>
-          <a:xfrm>
-            <a:off x="442147" y="324865"/>
-            <a:ext cx="8118594" cy="4401205"/>
-          </a:xfrm>
-          <a:prstGeom prst="rect">
-            <a:avLst/>
-          </a:prstGeom>
-        </p:spPr>
-        <p:txBody>
-          <a:bodyPr wrap="square">
-            <a:spAutoFit/>
-          </a:bodyPr>
-          <a:lstStyle/>
-          <a:p>
-            <a:r>
-              <a:rPr lang="en-US" sz="2000">
-                <a:latin typeface="Source Code Pro"/>
-                <a:cs typeface="Source Code Pro"/>
-              </a:rPr>
-              <a:t>class Object { boolean equals(Object other) }</a:t>
-            </a:r>
-          </a:p>
-          <a:p>
-            <a:r>
-              <a:rPr lang="en-US" sz="2000">
-                <a:latin typeface="Source Code Pro"/>
-                <a:cs typeface="Source Code Pro"/>
-              </a:rPr>
-              <a:t>- overriden method</a:t>
-            </a:r>
-          </a:p>
-          <a:p>
-            <a:endParaRPr lang="en-US" sz="2000">
-              <a:latin typeface="Source Code Pro"/>
-              <a:cs typeface="Source Code Pro"/>
-            </a:endParaRPr>
-          </a:p>
-          <a:p>
-            <a:r>
-              <a:rPr lang="en-US" sz="2000">
-                <a:latin typeface="Source Code Pro"/>
-                <a:cs typeface="Source Code Pro"/>
-              </a:rPr>
-              <a:t>interface InstanceEq&lt;T&gt; { boolean eq(T t); }</a:t>
-            </a:r>
-          </a:p>
-          <a:p>
-            <a:r>
-              <a:rPr lang="en-US" sz="2000">
-                <a:latin typeface="Source Code Pro"/>
-                <a:cs typeface="Source Code Pro"/>
-              </a:rPr>
-              <a:t>- instance method</a:t>
-            </a:r>
-          </a:p>
-          <a:p>
-            <a:endParaRPr lang="en-US" sz="2000">
-              <a:latin typeface="Source Code Pro"/>
-              <a:cs typeface="Source Code Pro"/>
-            </a:endParaRPr>
-          </a:p>
-          <a:p>
-            <a:r>
-              <a:rPr lang="en-US" sz="2000">
-                <a:latin typeface="Source Code Pro"/>
-                <a:cs typeface="Source Code Pro"/>
-              </a:rPr>
-              <a:t>interface Eq&lt;T&gt; { boolean eq(T a, T b); }</a:t>
-            </a:r>
-          </a:p>
-          <a:p>
-            <a:r>
-              <a:rPr lang="en-US" sz="2000">
-                <a:latin typeface="Source Code Pro"/>
-                <a:cs typeface="Source Code Pro"/>
-              </a:rPr>
-              <a:t>- static method</a:t>
-            </a:r>
-          </a:p>
-          <a:p>
-            <a:endParaRPr lang="en-US" sz="2000">
-              <a:latin typeface="Source Code Pro"/>
-              <a:cs typeface="Source Code Pro"/>
-            </a:endParaRPr>
-          </a:p>
-          <a:p>
-            <a:endParaRPr lang="en-US" sz="2000">
-              <a:latin typeface="Source Code Pro"/>
-              <a:cs typeface="Source Code Pro"/>
-            </a:endParaRPr>
-          </a:p>
-          <a:p>
-            <a:endParaRPr lang="en-US" sz="2000">
-              <a:latin typeface="Source Code Pro"/>
-              <a:cs typeface="Source Code Pro"/>
-            </a:endParaRPr>
-          </a:p>
-          <a:p>
-            <a:r>
-              <a:rPr lang="en-US" sz="2000">
-                <a:latin typeface="Source Code Pro"/>
-                <a:cs typeface="Source Code Pro"/>
-              </a:rPr>
-              <a:t>class Eq a where </a:t>
-            </a:r>
-          </a:p>
-          <a:p>
-            <a:r>
-              <a:rPr lang="en-US" sz="2000">
-                <a:latin typeface="Source Code Pro"/>
-                <a:cs typeface="Source Code Pro"/>
-              </a:rPr>
-              <a:t>  (==) :: a -&gt; a -&gt; Bool</a:t>
-            </a:r>
-          </a:p>
-          <a:p>
-            <a:endParaRPr lang="en-US" sz="2000">
-              <a:latin typeface="Source Code Pro"/>
-              <a:cs typeface="Source Code Pro"/>
-            </a:endParaRPr>
-          </a:p>
-        </p:txBody>
-      </p:sp>
-    </p:spTree>
-    <p:extLst>
-      <p:ext uri="{BB962C8B-B14F-4D97-AF65-F5344CB8AC3E}">
-        <p14:creationId xmlns:p14="http://schemas.microsoft.com/office/powerpoint/2010/main" val="1951996211"/>
-      </p:ext>
-    </p:extLst>
-  </p:cSld>
-  <p:clrMapOvr>
-    <a:masterClrMapping/>
-  </p:clrMapOvr>
-  <p:timing>
-    <p:tnLst>
-      <p:par>
-        <p:cTn xmlns:p14="http://schemas.microsoft.com/office/powerpoint/2010/main" id="1" dur="indefinite" restart="never" nodeType="tmRoot"/>
-      </p:par>
-    </p:tnLst>
-  </p:timing>
-</p:sld>
-</file>
-
-<file path=ppt/slides/slide48.xml><?xml version="1.0" encoding="utf-8"?>
+<file path=ppt/slides/slide44.xml><?xml version="1.0" encoding="utf-8"?>
 <p:sld xmlns:a="http://schemas.openxmlformats.org/drawingml/2006/main" xmlns:r="http://schemas.openxmlformats.org/officeDocument/2006/relationships" xmlns:p="http://schemas.openxmlformats.org/presentationml/2006/main">
   <p:cSld>
     <p:spTree>

--- a/eq.pptx
+++ b/eq.pptx
@@ -234,7 +234,7 @@
           </a:lstStyle>
           <a:p>
             <a:fld id="{1FBEFB9F-C25B-424C-8B67-E9F1C8FBE4C3}" type="datetimeFigureOut">
-              <a:t>25/02/13</a:t>
+              <a:t>27/02/13</a:t>
             </a:fld>
             <a:endParaRPr lang="en-US"/>
           </a:p>
@@ -545,22 +545,6 @@
           <a:bodyPr/>
           <a:lstStyle/>
           <a:p>
-            <a:r>
-              <a:rPr lang="en-US" baseline="0"/>
-              <a:t>java: problems, solutions, limitations.</a:t>
-            </a:r>
-          </a:p>
-          <a:p>
-            <a:r>
-              <a:rPr lang="en-US" baseline="0"/>
-              <a:t>Typeclass approach</a:t>
-            </a:r>
-          </a:p>
-          <a:p>
-            <a:r>
-              <a:rPr lang="en-US" baseline="0"/>
-              <a:t>Haskell.</a:t>
-            </a:r>
             <a:endParaRPr lang="en-US"/>
           </a:p>
         </p:txBody>
@@ -1469,7 +1453,7 @@
             <a:fld id="{28E80666-FB37-4B36-9149-507F3B0178E3}" type="datetimeFigureOut">
               <a:rPr lang="en-US" smtClean="0"/>
               <a:pPr/>
-              <a:t>25/02/13</a:t>
+              <a:t>27/02/13</a:t>
             </a:fld>
             <a:endParaRPr lang="en-US"/>
           </a:p>
@@ -1653,7 +1637,7 @@
           <a:lstStyle/>
           <a:p>
             <a:fld id="{BA5979CA-FDD1-AA4F-AD03-C8B84A165D94}" type="datetimeFigureOut">
-              <a:t>25/02/13</a:t>
+              <a:t>27/02/13</a:t>
             </a:fld>
             <a:endParaRPr lang="en-US"/>
           </a:p>
@@ -1837,7 +1821,7 @@
           <a:lstStyle/>
           <a:p>
             <a:fld id="{BA5979CA-FDD1-AA4F-AD03-C8B84A165D94}" type="datetimeFigureOut">
-              <a:t>25/02/13</a:t>
+              <a:t>27/02/13</a:t>
             </a:fld>
             <a:endParaRPr lang="en-US"/>
           </a:p>
@@ -1930,7 +1914,7 @@
           <a:lstStyle/>
           <a:p>
             <a:fld id="{BA5979CA-FDD1-AA4F-AD03-C8B84A165D94}" type="datetimeFigureOut">
-              <a:t>25/02/13</a:t>
+              <a:t>27/02/13</a:t>
             </a:fld>
             <a:endParaRPr lang="en-US"/>
           </a:p>
@@ -2182,7 +2166,7 @@
             <a:fld id="{28E80666-FB37-4B36-9149-507F3B0178E3}" type="datetimeFigureOut">
               <a:rPr lang="en-US" smtClean="0"/>
               <a:pPr/>
-              <a:t>25/02/13</a:t>
+              <a:t>27/02/13</a:t>
             </a:fld>
             <a:endParaRPr lang="en-US"/>
           </a:p>
@@ -2490,7 +2474,7 @@
           <a:lstStyle/>
           <a:p>
             <a:fld id="{BA5979CA-FDD1-AA4F-AD03-C8B84A165D94}" type="datetimeFigureOut">
-              <a:t>25/02/13</a:t>
+              <a:t>27/02/13</a:t>
             </a:fld>
             <a:endParaRPr lang="en-US"/>
           </a:p>
@@ -2930,7 +2914,7 @@
           <a:lstStyle/>
           <a:p>
             <a:fld id="{BA5979CA-FDD1-AA4F-AD03-C8B84A165D94}" type="datetimeFigureOut">
-              <a:t>25/02/13</a:t>
+              <a:t>27/02/13</a:t>
             </a:fld>
             <a:endParaRPr lang="en-US"/>
           </a:p>
@@ -3054,7 +3038,7 @@
           <a:lstStyle/>
           <a:p>
             <a:fld id="{BA5979CA-FDD1-AA4F-AD03-C8B84A165D94}" type="datetimeFigureOut">
-              <a:t>25/02/13</a:t>
+              <a:t>27/02/13</a:t>
             </a:fld>
             <a:endParaRPr lang="en-US"/>
           </a:p>
@@ -3147,7 +3131,7 @@
           <a:lstStyle/>
           <a:p>
             <a:fld id="{BA5979CA-FDD1-AA4F-AD03-C8B84A165D94}" type="datetimeFigureOut">
-              <a:t>25/02/13</a:t>
+              <a:t>27/02/13</a:t>
             </a:fld>
             <a:endParaRPr lang="en-US"/>
           </a:p>
@@ -3431,7 +3415,7 @@
           <a:lstStyle/>
           <a:p>
             <a:fld id="{BA5979CA-FDD1-AA4F-AD03-C8B84A165D94}" type="datetimeFigureOut">
-              <a:t>25/02/13</a:t>
+              <a:t>27/02/13</a:t>
             </a:fld>
             <a:endParaRPr lang="en-US"/>
           </a:p>
@@ -3691,7 +3675,7 @@
           <a:lstStyle/>
           <a:p>
             <a:fld id="{BA5979CA-FDD1-AA4F-AD03-C8B84A165D94}" type="datetimeFigureOut">
-              <a:t>25/02/13</a:t>
+              <a:t>27/02/13</a:t>
             </a:fld>
             <a:endParaRPr lang="en-US"/>
           </a:p>
@@ -3807,7 +3791,7 @@
           </a:lstStyle>
           <a:p>
             <a:fld id="{BA5979CA-FDD1-AA4F-AD03-C8B84A165D94}" type="datetimeFigureOut">
-              <a:t>25/02/13</a:t>
+              <a:t>27/02/13</a:t>
             </a:fld>
             <a:endParaRPr lang="en-US"/>
           </a:p>
@@ -8094,10 +8078,6 @@
               </a:rPr>
               <a:t>  ...</a:t>
             </a:r>
-            <a:endParaRPr lang="en-US" sz="2000">
-              <a:latin typeface="Source Code Pro"/>
-              <a:cs typeface="Source Code Pro"/>
-            </a:endParaRPr>
           </a:p>
           <a:p>
             <a:endParaRPr lang="en-US" sz="2000">
